--- a/OUR PRESENTATION.pptx
+++ b/OUR PRESENTATION.pptx
@@ -6,13 +6,18 @@
   </p:sldMasterIdLst>
   <p:sldIdLst>
     <p:sldId id="256" r:id="rId2"/>
-    <p:sldId id="257" r:id="rId3"/>
-    <p:sldId id="259" r:id="rId4"/>
-    <p:sldId id="258" r:id="rId5"/>
-    <p:sldId id="261" r:id="rId6"/>
-    <p:sldId id="262" r:id="rId7"/>
-    <p:sldId id="263" r:id="rId8"/>
-    <p:sldId id="260" r:id="rId9"/>
+    <p:sldId id="268" r:id="rId3"/>
+    <p:sldId id="257" r:id="rId4"/>
+    <p:sldId id="264" r:id="rId5"/>
+    <p:sldId id="259" r:id="rId6"/>
+    <p:sldId id="258" r:id="rId7"/>
+    <p:sldId id="261" r:id="rId8"/>
+    <p:sldId id="262" r:id="rId9"/>
+    <p:sldId id="263" r:id="rId10"/>
+    <p:sldId id="265" r:id="rId11"/>
+    <p:sldId id="260" r:id="rId12"/>
+    <p:sldId id="266" r:id="rId13"/>
+    <p:sldId id="267" r:id="rId14"/>
   </p:sldIdLst>
   <p:sldSz cx="12192000" cy="6858000"/>
   <p:notesSz cx="6858000" cy="9144000"/>
@@ -282,7 +287,7 @@
           <a:p>
             <a:fld id="{B0627B73-1C40-A349-8B9E-D85E1B6DC09A}" type="datetimeFigureOut">
               <a:rPr lang="en-US" smtClean="0"/>
-              <a:t>12/3/17</a:t>
+              <a:t>12/4/2017</a:t>
             </a:fld>
             <a:endParaRPr lang="en-US"/>
           </a:p>
@@ -447,7 +452,7 @@
           <a:p>
             <a:fld id="{B0627B73-1C40-A349-8B9E-D85E1B6DC09A}" type="datetimeFigureOut">
               <a:rPr lang="en-US" smtClean="0"/>
-              <a:t>12/3/17</a:t>
+              <a:t>12/4/2017</a:t>
             </a:fld>
             <a:endParaRPr lang="en-US"/>
           </a:p>
@@ -622,7 +627,7 @@
           <a:p>
             <a:fld id="{B0627B73-1C40-A349-8B9E-D85E1B6DC09A}" type="datetimeFigureOut">
               <a:rPr lang="en-US" smtClean="0"/>
-              <a:t>12/3/17</a:t>
+              <a:t>12/4/2017</a:t>
             </a:fld>
             <a:endParaRPr lang="en-US"/>
           </a:p>
@@ -787,7 +792,7 @@
           <a:p>
             <a:fld id="{B0627B73-1C40-A349-8B9E-D85E1B6DC09A}" type="datetimeFigureOut">
               <a:rPr lang="en-US" smtClean="0"/>
-              <a:t>12/3/17</a:t>
+              <a:t>12/4/2017</a:t>
             </a:fld>
             <a:endParaRPr lang="en-US"/>
           </a:p>
@@ -1050,7 +1055,7 @@
           <a:p>
             <a:fld id="{B0627B73-1C40-A349-8B9E-D85E1B6DC09A}" type="datetimeFigureOut">
               <a:rPr lang="en-US" smtClean="0"/>
-              <a:t>12/3/17</a:t>
+              <a:t>12/4/2017</a:t>
             </a:fld>
             <a:endParaRPr lang="en-US"/>
           </a:p>
@@ -1277,7 +1282,7 @@
           <a:p>
             <a:fld id="{B0627B73-1C40-A349-8B9E-D85E1B6DC09A}" type="datetimeFigureOut">
               <a:rPr lang="en-US" smtClean="0"/>
-              <a:t>12/3/17</a:t>
+              <a:t>12/4/2017</a:t>
             </a:fld>
             <a:endParaRPr lang="en-US"/>
           </a:p>
@@ -1631,7 +1636,7 @@
           <a:p>
             <a:fld id="{B0627B73-1C40-A349-8B9E-D85E1B6DC09A}" type="datetimeFigureOut">
               <a:rPr lang="en-US" smtClean="0"/>
-              <a:t>12/3/17</a:t>
+              <a:t>12/4/2017</a:t>
             </a:fld>
             <a:endParaRPr lang="en-US"/>
           </a:p>
@@ -1767,7 +1772,7 @@
           <a:p>
             <a:fld id="{B0627B73-1C40-A349-8B9E-D85E1B6DC09A}" type="datetimeFigureOut">
               <a:rPr lang="en-US" smtClean="0"/>
-              <a:t>12/3/17</a:t>
+              <a:t>12/4/2017</a:t>
             </a:fld>
             <a:endParaRPr lang="en-US"/>
           </a:p>
@@ -1857,7 +1862,7 @@
           <a:p>
             <a:fld id="{B0627B73-1C40-A349-8B9E-D85E1B6DC09A}" type="datetimeFigureOut">
               <a:rPr lang="en-US" smtClean="0"/>
-              <a:t>12/3/17</a:t>
+              <a:t>12/4/2017</a:t>
             </a:fld>
             <a:endParaRPr lang="en-US"/>
           </a:p>
@@ -2209,7 +2214,7 @@
           <a:p>
             <a:fld id="{B0627B73-1C40-A349-8B9E-D85E1B6DC09A}" type="datetimeFigureOut">
               <a:rPr lang="en-US" smtClean="0"/>
-              <a:t>12/3/17</a:t>
+              <a:t>12/4/2017</a:t>
             </a:fld>
             <a:endParaRPr lang="en-US"/>
           </a:p>
@@ -2561,7 +2566,7 @@
           <a:p>
             <a:fld id="{B0627B73-1C40-A349-8B9E-D85E1B6DC09A}" type="datetimeFigureOut">
               <a:rPr lang="en-US" smtClean="0"/>
-              <a:t>12/3/17</a:t>
+              <a:t>12/4/2017</a:t>
             </a:fld>
             <a:endParaRPr lang="en-US"/>
           </a:p>
@@ -2797,7 +2802,7 @@
           <a:p>
             <a:fld id="{B0627B73-1C40-A349-8B9E-D85E1B6DC09A}" type="datetimeFigureOut">
               <a:rPr lang="en-US" smtClean="0"/>
-              <a:t>12/3/17</a:t>
+              <a:t>12/4/2017</a:t>
             </a:fld>
             <a:endParaRPr lang="en-US"/>
           </a:p>
@@ -3235,6 +3240,17 @@
 <file path=ppt/slides/slide1.xml><?xml version="1.0" encoding="utf-8"?>
 <p:sld xmlns:a="http://schemas.openxmlformats.org/drawingml/2006/main" xmlns:r="http://schemas.openxmlformats.org/officeDocument/2006/relationships" xmlns:p="http://schemas.openxmlformats.org/presentationml/2006/main">
   <p:cSld>
+    <p:bg>
+      <p:bgPr>
+        <a:solidFill>
+          <a:schemeClr val="accent4">
+            <a:lumMod val="60000"/>
+            <a:lumOff val="40000"/>
+          </a:schemeClr>
+        </a:solidFill>
+        <a:effectLst/>
+      </p:bgPr>
+    </p:bg>
     <p:spTree>
       <p:nvGrpSpPr>
         <p:cNvPr id="1" name=""/>
@@ -3327,6 +3343,1831 @@
   <p:clrMapOvr>
     <a:masterClrMapping/>
   </p:clrMapOvr>
+  <p:timing>
+    <p:tnLst>
+      <p:par>
+        <p:cTn id="1" dur="indefinite" restart="never" nodeType="tmRoot"/>
+      </p:par>
+    </p:tnLst>
+  </p:timing>
+</p:sld>
+</file>
+
+<file path=ppt/slides/slide10.xml><?xml version="1.0" encoding="utf-8"?>
+<p:sld xmlns:a="http://schemas.openxmlformats.org/drawingml/2006/main" xmlns:r="http://schemas.openxmlformats.org/officeDocument/2006/relationships" xmlns:p="http://schemas.openxmlformats.org/presentationml/2006/main">
+  <p:cSld>
+    <p:spTree>
+      <p:nvGrpSpPr>
+        <p:cNvPr id="1" name=""/>
+        <p:cNvGrpSpPr/>
+        <p:nvPr/>
+      </p:nvGrpSpPr>
+      <p:grpSpPr>
+        <a:xfrm>
+          <a:off x="0" y="0"/>
+          <a:ext cx="0" cy="0"/>
+          <a:chOff x="0" y="0"/>
+          <a:chExt cx="0" cy="0"/>
+        </a:xfrm>
+      </p:grpSpPr>
+      <p:sp>
+        <p:nvSpPr>
+          <p:cNvPr id="2" name="Title 1"/>
+          <p:cNvSpPr>
+            <a:spLocks noGrp="1"/>
+          </p:cNvSpPr>
+          <p:nvPr>
+            <p:ph type="title"/>
+          </p:nvPr>
+        </p:nvSpPr>
+        <p:spPr/>
+        <p:txBody>
+          <a:bodyPr/>
+          <a:lstStyle/>
+          <a:p>
+            <a:r>
+              <a:rPr lang="en-US" dirty="0" smtClean="0"/>
+              <a:t>Database Schema</a:t>
+            </a:r>
+            <a:endParaRPr lang="en-US" dirty="0"/>
+          </a:p>
+        </p:txBody>
+      </p:sp>
+      <p:graphicFrame>
+        <p:nvGraphicFramePr>
+          <p:cNvPr id="5" name="Table 4"/>
+          <p:cNvGraphicFramePr>
+            <a:graphicFrameLocks noGrp="1"/>
+          </p:cNvGraphicFramePr>
+          <p:nvPr>
+            <p:extLst>
+              <p:ext uri="{D42A27DB-BD31-4B8C-83A1-F6EECF244321}">
+                <p14:modId xmlns:p14="http://schemas.microsoft.com/office/powerpoint/2010/main" val="3345115307"/>
+              </p:ext>
+            </p:extLst>
+          </p:nvPr>
+        </p:nvGraphicFramePr>
+        <p:xfrm>
+          <a:off x="8721205" y="2873310"/>
+          <a:ext cx="1239659" cy="2165712"/>
+        </p:xfrm>
+        <a:graphic>
+          <a:graphicData uri="http://schemas.openxmlformats.org/drawingml/2006/table">
+            <a:tbl>
+              <a:tblPr firstRow="1" bandRow="1">
+                <a:tableStyleId>{00A15C55-8517-42AA-B614-E9B94910E393}</a:tableStyleId>
+              </a:tblPr>
+              <a:tblGrid>
+                <a:gridCol w="1239659"/>
+              </a:tblGrid>
+              <a:tr h="541428">
+                <a:tc>
+                  <a:txBody>
+                    <a:bodyPr/>
+                    <a:lstStyle/>
+                    <a:p>
+                      <a:pPr algn="ctr"/>
+                      <a:r>
+                        <a:rPr lang="en-US" sz="1600" dirty="0" smtClean="0"/>
+                        <a:t>Chores</a:t>
+                      </a:r>
+                      <a:endParaRPr lang="en-US" sz="1600" dirty="0"/>
+                    </a:p>
+                  </a:txBody>
+                  <a:tcPr/>
+                </a:tc>
+              </a:tr>
+              <a:tr h="541428">
+                <a:tc>
+                  <a:txBody>
+                    <a:bodyPr/>
+                    <a:lstStyle/>
+                    <a:p>
+                      <a:pPr algn="ctr"/>
+                      <a:r>
+                        <a:rPr lang="en-US" sz="1600" u="sng" dirty="0" err="1" smtClean="0"/>
+                        <a:t>choreID</a:t>
+                      </a:r>
+                      <a:endParaRPr lang="en-US" sz="1600" u="sng" dirty="0"/>
+                    </a:p>
+                  </a:txBody>
+                  <a:tcPr/>
+                </a:tc>
+              </a:tr>
+              <a:tr h="541428">
+                <a:tc>
+                  <a:txBody>
+                    <a:bodyPr/>
+                    <a:lstStyle/>
+                    <a:p>
+                      <a:pPr algn="ctr"/>
+                      <a:r>
+                        <a:rPr lang="en-US" sz="1600" dirty="0" err="1" smtClean="0"/>
+                        <a:t>choreName</a:t>
+                      </a:r>
+                      <a:endParaRPr lang="en-US" sz="1600" dirty="0"/>
+                    </a:p>
+                  </a:txBody>
+                  <a:tcPr/>
+                </a:tc>
+              </a:tr>
+              <a:tr h="541428">
+                <a:tc>
+                  <a:txBody>
+                    <a:bodyPr/>
+                    <a:lstStyle/>
+                    <a:p>
+                      <a:pPr algn="ctr"/>
+                      <a:r>
+                        <a:rPr lang="en-US" sz="1600" dirty="0" err="1" smtClean="0"/>
+                        <a:t>posNeg</a:t>
+                      </a:r>
+                      <a:endParaRPr lang="en-US" sz="1600" dirty="0"/>
+                    </a:p>
+                  </a:txBody>
+                  <a:tcPr/>
+                </a:tc>
+              </a:tr>
+            </a:tbl>
+          </a:graphicData>
+        </a:graphic>
+      </p:graphicFrame>
+      <p:graphicFrame>
+        <p:nvGraphicFramePr>
+          <p:cNvPr id="6" name="Table 5"/>
+          <p:cNvGraphicFramePr>
+            <a:graphicFrameLocks noGrp="1"/>
+          </p:cNvGraphicFramePr>
+          <p:nvPr>
+            <p:extLst>
+              <p:ext uri="{D42A27DB-BD31-4B8C-83A1-F6EECF244321}">
+                <p14:modId xmlns:p14="http://schemas.microsoft.com/office/powerpoint/2010/main" val="58607214"/>
+              </p:ext>
+            </p:extLst>
+          </p:nvPr>
+        </p:nvGraphicFramePr>
+        <p:xfrm>
+          <a:off x="6688310" y="2887204"/>
+          <a:ext cx="1465947" cy="2282328"/>
+        </p:xfrm>
+        <a:graphic>
+          <a:graphicData uri="http://schemas.openxmlformats.org/drawingml/2006/table">
+            <a:tbl>
+              <a:tblPr firstRow="1" bandRow="1">
+                <a:tableStyleId>{00A15C55-8517-42AA-B614-E9B94910E393}</a:tableStyleId>
+              </a:tblPr>
+              <a:tblGrid>
+                <a:gridCol w="1465947"/>
+              </a:tblGrid>
+              <a:tr h="570582">
+                <a:tc>
+                  <a:txBody>
+                    <a:bodyPr/>
+                    <a:lstStyle/>
+                    <a:p>
+                      <a:pPr algn="ctr"/>
+                      <a:r>
+                        <a:rPr lang="en-US" sz="1600" dirty="0" err="1" smtClean="0"/>
+                        <a:t>Chorevalues</a:t>
+                      </a:r>
+                      <a:endParaRPr lang="en-US" sz="1600" dirty="0"/>
+                    </a:p>
+                  </a:txBody>
+                  <a:tcPr/>
+                </a:tc>
+              </a:tr>
+              <a:tr h="570582">
+                <a:tc>
+                  <a:txBody>
+                    <a:bodyPr/>
+                    <a:lstStyle/>
+                    <a:p>
+                      <a:pPr algn="ctr"/>
+                      <a:r>
+                        <a:rPr lang="en-US" sz="1600" u="sng" dirty="0" err="1" smtClean="0"/>
+                        <a:t>choreID</a:t>
+                      </a:r>
+                      <a:endParaRPr lang="en-US" sz="1600" u="sng" dirty="0"/>
+                    </a:p>
+                  </a:txBody>
+                  <a:tcPr/>
+                </a:tc>
+              </a:tr>
+              <a:tr h="570582">
+                <a:tc>
+                  <a:txBody>
+                    <a:bodyPr/>
+                    <a:lstStyle/>
+                    <a:p>
+                      <a:pPr algn="ctr"/>
+                      <a:r>
+                        <a:rPr lang="en-US" sz="1600" dirty="0" err="1" smtClean="0"/>
+                        <a:t>groupID</a:t>
+                      </a:r>
+                      <a:endParaRPr lang="en-US" sz="1600" dirty="0"/>
+                    </a:p>
+                  </a:txBody>
+                  <a:tcPr/>
+                </a:tc>
+              </a:tr>
+              <a:tr h="570582">
+                <a:tc>
+                  <a:txBody>
+                    <a:bodyPr/>
+                    <a:lstStyle/>
+                    <a:p>
+                      <a:pPr algn="ctr"/>
+                      <a:r>
+                        <a:rPr lang="en-US" sz="1600" dirty="0" err="1" smtClean="0"/>
+                        <a:t>choreValue</a:t>
+                      </a:r>
+                      <a:endParaRPr lang="en-US" sz="1600" dirty="0"/>
+                    </a:p>
+                  </a:txBody>
+                  <a:tcPr/>
+                </a:tc>
+              </a:tr>
+            </a:tbl>
+          </a:graphicData>
+        </a:graphic>
+      </p:graphicFrame>
+      <p:graphicFrame>
+        <p:nvGraphicFramePr>
+          <p:cNvPr id="7" name="Table 6"/>
+          <p:cNvGraphicFramePr>
+            <a:graphicFrameLocks noGrp="1"/>
+          </p:cNvGraphicFramePr>
+          <p:nvPr>
+            <p:extLst>
+              <p:ext uri="{D42A27DB-BD31-4B8C-83A1-F6EECF244321}">
+                <p14:modId xmlns:p14="http://schemas.microsoft.com/office/powerpoint/2010/main" val="2310068673"/>
+              </p:ext>
+            </p:extLst>
+          </p:nvPr>
+        </p:nvGraphicFramePr>
+        <p:xfrm>
+          <a:off x="10350528" y="2555644"/>
+          <a:ext cx="1540787" cy="2489360"/>
+        </p:xfrm>
+        <a:graphic>
+          <a:graphicData uri="http://schemas.openxmlformats.org/drawingml/2006/table">
+            <a:tbl>
+              <a:tblPr firstRow="1" bandRow="1">
+                <a:tableStyleId>{00A15C55-8517-42AA-B614-E9B94910E393}</a:tableStyleId>
+              </a:tblPr>
+              <a:tblGrid>
+                <a:gridCol w="1540787"/>
+              </a:tblGrid>
+              <a:tr h="497872">
+                <a:tc>
+                  <a:txBody>
+                    <a:bodyPr/>
+                    <a:lstStyle/>
+                    <a:p>
+                      <a:pPr algn="ctr"/>
+                      <a:r>
+                        <a:rPr lang="en-US" sz="1600" dirty="0" smtClean="0"/>
+                        <a:t>Events</a:t>
+                      </a:r>
+                      <a:endParaRPr lang="en-US" sz="1600" dirty="0"/>
+                    </a:p>
+                  </a:txBody>
+                  <a:tcPr/>
+                </a:tc>
+              </a:tr>
+              <a:tr h="497872">
+                <a:tc>
+                  <a:txBody>
+                    <a:bodyPr/>
+                    <a:lstStyle/>
+                    <a:p>
+                      <a:pPr algn="ctr"/>
+                      <a:r>
+                        <a:rPr lang="en-US" sz="1600" dirty="0" err="1" smtClean="0"/>
+                        <a:t>eventID</a:t>
+                      </a:r>
+                      <a:endParaRPr lang="en-US" sz="1600" dirty="0"/>
+                    </a:p>
+                  </a:txBody>
+                  <a:tcPr/>
+                </a:tc>
+              </a:tr>
+              <a:tr h="497872">
+                <a:tc>
+                  <a:txBody>
+                    <a:bodyPr/>
+                    <a:lstStyle/>
+                    <a:p>
+                      <a:pPr algn="ctr"/>
+                      <a:r>
+                        <a:rPr lang="en-US" sz="1600" dirty="0" err="1" smtClean="0"/>
+                        <a:t>reporterUserID</a:t>
+                      </a:r>
+                      <a:endParaRPr lang="en-US" sz="1600" dirty="0"/>
+                    </a:p>
+                  </a:txBody>
+                  <a:tcPr/>
+                </a:tc>
+              </a:tr>
+              <a:tr h="497872">
+                <a:tc>
+                  <a:txBody>
+                    <a:bodyPr/>
+                    <a:lstStyle/>
+                    <a:p>
+                      <a:pPr algn="ctr"/>
+                      <a:r>
+                        <a:rPr lang="en-US" sz="1600" u="sng" dirty="0" err="1" smtClean="0"/>
+                        <a:t>choreID</a:t>
+                      </a:r>
+                      <a:endParaRPr lang="en-US" sz="1600" u="sng" dirty="0"/>
+                    </a:p>
+                  </a:txBody>
+                  <a:tcPr/>
+                </a:tc>
+              </a:tr>
+              <a:tr h="497872">
+                <a:tc>
+                  <a:txBody>
+                    <a:bodyPr/>
+                    <a:lstStyle/>
+                    <a:p>
+                      <a:pPr algn="ctr"/>
+                      <a:r>
+                        <a:rPr lang="en-US" sz="1600" dirty="0" err="1" smtClean="0"/>
+                        <a:t>reportedUserID</a:t>
+                      </a:r>
+                      <a:endParaRPr lang="en-US" sz="1600" dirty="0"/>
+                    </a:p>
+                  </a:txBody>
+                  <a:tcPr/>
+                </a:tc>
+              </a:tr>
+            </a:tbl>
+          </a:graphicData>
+        </a:graphic>
+      </p:graphicFrame>
+      <p:graphicFrame>
+        <p:nvGraphicFramePr>
+          <p:cNvPr id="8" name="Table 7"/>
+          <p:cNvGraphicFramePr>
+            <a:graphicFrameLocks noGrp="1"/>
+          </p:cNvGraphicFramePr>
+          <p:nvPr>
+            <p:extLst>
+              <p:ext uri="{D42A27DB-BD31-4B8C-83A1-F6EECF244321}">
+                <p14:modId xmlns:p14="http://schemas.microsoft.com/office/powerpoint/2010/main" val="955149229"/>
+              </p:ext>
+            </p:extLst>
+          </p:nvPr>
+        </p:nvGraphicFramePr>
+        <p:xfrm>
+          <a:off x="4770500" y="2869237"/>
+          <a:ext cx="1414508" cy="2272504"/>
+        </p:xfrm>
+        <a:graphic>
+          <a:graphicData uri="http://schemas.openxmlformats.org/drawingml/2006/table">
+            <a:tbl>
+              <a:tblPr firstRow="1" bandRow="1">
+                <a:tableStyleId>{00A15C55-8517-42AA-B614-E9B94910E393}</a:tableStyleId>
+              </a:tblPr>
+              <a:tblGrid>
+                <a:gridCol w="1414508"/>
+              </a:tblGrid>
+              <a:tr h="568126">
+                <a:tc>
+                  <a:txBody>
+                    <a:bodyPr/>
+                    <a:lstStyle/>
+                    <a:p>
+                      <a:pPr algn="ctr"/>
+                      <a:r>
+                        <a:rPr lang="en-US" sz="1600" dirty="0" smtClean="0"/>
+                        <a:t>Groups</a:t>
+                      </a:r>
+                      <a:endParaRPr lang="en-US" sz="1600" dirty="0"/>
+                    </a:p>
+                  </a:txBody>
+                  <a:tcPr/>
+                </a:tc>
+              </a:tr>
+              <a:tr h="568126">
+                <a:tc>
+                  <a:txBody>
+                    <a:bodyPr/>
+                    <a:lstStyle/>
+                    <a:p>
+                      <a:pPr algn="ctr"/>
+                      <a:r>
+                        <a:rPr lang="en-US" sz="1600" u="sng" dirty="0" err="1" smtClean="0"/>
+                        <a:t>groupID</a:t>
+                      </a:r>
+                      <a:endParaRPr lang="en-US" sz="1600" u="sng" dirty="0"/>
+                    </a:p>
+                  </a:txBody>
+                  <a:tcPr/>
+                </a:tc>
+              </a:tr>
+              <a:tr h="568126">
+                <a:tc>
+                  <a:txBody>
+                    <a:bodyPr/>
+                    <a:lstStyle/>
+                    <a:p>
+                      <a:pPr algn="ctr"/>
+                      <a:r>
+                        <a:rPr lang="en-US" sz="1600" dirty="0" err="1" smtClean="0"/>
+                        <a:t>groupName</a:t>
+                      </a:r>
+                      <a:endParaRPr lang="en-US" sz="1600" dirty="0"/>
+                    </a:p>
+                  </a:txBody>
+                  <a:tcPr/>
+                </a:tc>
+              </a:tr>
+              <a:tr h="568126">
+                <a:tc>
+                  <a:txBody>
+                    <a:bodyPr/>
+                    <a:lstStyle/>
+                    <a:p>
+                      <a:pPr algn="ctr"/>
+                      <a:r>
+                        <a:rPr lang="en-US" sz="1600" dirty="0" err="1" smtClean="0"/>
+                        <a:t>groupCode</a:t>
+                      </a:r>
+                      <a:endParaRPr lang="en-US" sz="1600" dirty="0"/>
+                    </a:p>
+                  </a:txBody>
+                  <a:tcPr/>
+                </a:tc>
+              </a:tr>
+            </a:tbl>
+          </a:graphicData>
+        </a:graphic>
+      </p:graphicFrame>
+      <p:graphicFrame>
+        <p:nvGraphicFramePr>
+          <p:cNvPr id="9" name="Table 8"/>
+          <p:cNvGraphicFramePr>
+            <a:graphicFrameLocks noGrp="1"/>
+          </p:cNvGraphicFramePr>
+          <p:nvPr>
+            <p:extLst>
+              <p:ext uri="{D42A27DB-BD31-4B8C-83A1-F6EECF244321}">
+                <p14:modId xmlns:p14="http://schemas.microsoft.com/office/powerpoint/2010/main" val="1273268545"/>
+              </p:ext>
+            </p:extLst>
+          </p:nvPr>
+        </p:nvGraphicFramePr>
+        <p:xfrm>
+          <a:off x="2721209" y="2869238"/>
+          <a:ext cx="1492313" cy="2005485"/>
+        </p:xfrm>
+        <a:graphic>
+          <a:graphicData uri="http://schemas.openxmlformats.org/drawingml/2006/table">
+            <a:tbl>
+              <a:tblPr firstRow="1" bandRow="1">
+                <a:tableStyleId>{00A15C55-8517-42AA-B614-E9B94910E393}</a:tableStyleId>
+              </a:tblPr>
+              <a:tblGrid>
+                <a:gridCol w="1492313"/>
+              </a:tblGrid>
+              <a:tr h="673929">
+                <a:tc>
+                  <a:txBody>
+                    <a:bodyPr/>
+                    <a:lstStyle/>
+                    <a:p>
+                      <a:pPr algn="ctr"/>
+                      <a:r>
+                        <a:rPr lang="en-US" sz="1600" dirty="0" err="1" smtClean="0"/>
+                        <a:t>Group_users</a:t>
+                      </a:r>
+                      <a:endParaRPr lang="en-US" sz="1600" dirty="0"/>
+                    </a:p>
+                  </a:txBody>
+                  <a:tcPr/>
+                </a:tc>
+              </a:tr>
+              <a:tr h="665778">
+                <a:tc>
+                  <a:txBody>
+                    <a:bodyPr/>
+                    <a:lstStyle/>
+                    <a:p>
+                      <a:pPr algn="ctr"/>
+                      <a:r>
+                        <a:rPr lang="en-US" sz="1600" dirty="0" err="1" smtClean="0"/>
+                        <a:t>groupID</a:t>
+                      </a:r>
+                      <a:endParaRPr lang="en-US" sz="1600" dirty="0"/>
+                    </a:p>
+                  </a:txBody>
+                  <a:tcPr/>
+                </a:tc>
+              </a:tr>
+              <a:tr h="665778">
+                <a:tc>
+                  <a:txBody>
+                    <a:bodyPr/>
+                    <a:lstStyle/>
+                    <a:p>
+                      <a:pPr algn="ctr"/>
+                      <a:r>
+                        <a:rPr lang="en-US" sz="1600" u="sng" dirty="0" err="1" smtClean="0"/>
+                        <a:t>userID</a:t>
+                      </a:r>
+                      <a:endParaRPr lang="en-US" sz="1600" u="sng" dirty="0"/>
+                    </a:p>
+                  </a:txBody>
+                  <a:tcPr/>
+                </a:tc>
+              </a:tr>
+            </a:tbl>
+          </a:graphicData>
+        </a:graphic>
+      </p:graphicFrame>
+      <p:graphicFrame>
+        <p:nvGraphicFramePr>
+          <p:cNvPr id="10" name="Table 9"/>
+          <p:cNvGraphicFramePr>
+            <a:graphicFrameLocks noGrp="1"/>
+          </p:cNvGraphicFramePr>
+          <p:nvPr>
+            <p:extLst>
+              <p:ext uri="{D42A27DB-BD31-4B8C-83A1-F6EECF244321}">
+                <p14:modId xmlns:p14="http://schemas.microsoft.com/office/powerpoint/2010/main" val="1349601348"/>
+              </p:ext>
+            </p:extLst>
+          </p:nvPr>
+        </p:nvGraphicFramePr>
+        <p:xfrm>
+          <a:off x="244415" y="2887204"/>
+          <a:ext cx="1636143" cy="2891144"/>
+        </p:xfrm>
+        <a:graphic>
+          <a:graphicData uri="http://schemas.openxmlformats.org/drawingml/2006/table">
+            <a:tbl>
+              <a:tblPr firstRow="1" bandRow="1">
+                <a:tableStyleId>{00A15C55-8517-42AA-B614-E9B94910E393}</a:tableStyleId>
+              </a:tblPr>
+              <a:tblGrid>
+                <a:gridCol w="1636143"/>
+              </a:tblGrid>
+              <a:tr h="361393">
+                <a:tc>
+                  <a:txBody>
+                    <a:bodyPr/>
+                    <a:lstStyle/>
+                    <a:p>
+                      <a:pPr algn="ctr"/>
+                      <a:r>
+                        <a:rPr lang="en-US" sz="1600" dirty="0" smtClean="0"/>
+                        <a:t>Users </a:t>
+                      </a:r>
+                      <a:endParaRPr lang="en-US" sz="1600" dirty="0"/>
+                    </a:p>
+                  </a:txBody>
+                  <a:tcPr/>
+                </a:tc>
+              </a:tr>
+              <a:tr h="361393">
+                <a:tc>
+                  <a:txBody>
+                    <a:bodyPr/>
+                    <a:lstStyle/>
+                    <a:p>
+                      <a:pPr algn="ctr"/>
+                      <a:r>
+                        <a:rPr lang="en-US" sz="1600" u="sng" dirty="0" err="1" smtClean="0"/>
+                        <a:t>userID</a:t>
+                      </a:r>
+                      <a:endParaRPr lang="en-US" sz="1600" u="sng" dirty="0"/>
+                    </a:p>
+                  </a:txBody>
+                  <a:tcPr/>
+                </a:tc>
+              </a:tr>
+              <a:tr h="361393">
+                <a:tc>
+                  <a:txBody>
+                    <a:bodyPr/>
+                    <a:lstStyle/>
+                    <a:p>
+                      <a:pPr algn="ctr"/>
+                      <a:r>
+                        <a:rPr lang="en-US" sz="1600" dirty="0" smtClean="0"/>
+                        <a:t>username</a:t>
+                      </a:r>
+                      <a:endParaRPr lang="en-US" sz="1600" dirty="0"/>
+                    </a:p>
+                  </a:txBody>
+                  <a:tcPr/>
+                </a:tc>
+              </a:tr>
+              <a:tr h="361393">
+                <a:tc>
+                  <a:txBody>
+                    <a:bodyPr/>
+                    <a:lstStyle/>
+                    <a:p>
+                      <a:pPr algn="ctr"/>
+                      <a:r>
+                        <a:rPr lang="en-US" sz="1600" dirty="0" smtClean="0"/>
+                        <a:t>password</a:t>
+                      </a:r>
+                      <a:endParaRPr lang="en-US" sz="1600" dirty="0"/>
+                    </a:p>
+                  </a:txBody>
+                  <a:tcPr/>
+                </a:tc>
+              </a:tr>
+              <a:tr h="361393">
+                <a:tc>
+                  <a:txBody>
+                    <a:bodyPr/>
+                    <a:lstStyle/>
+                    <a:p>
+                      <a:pPr algn="ctr"/>
+                      <a:r>
+                        <a:rPr lang="en-US" sz="1600" dirty="0" smtClean="0"/>
+                        <a:t>salt</a:t>
+                      </a:r>
+                      <a:endParaRPr lang="en-US" sz="1600" dirty="0"/>
+                    </a:p>
+                  </a:txBody>
+                  <a:tcPr/>
+                </a:tc>
+              </a:tr>
+              <a:tr h="361393">
+                <a:tc>
+                  <a:txBody>
+                    <a:bodyPr/>
+                    <a:lstStyle/>
+                    <a:p>
+                      <a:pPr algn="ctr"/>
+                      <a:r>
+                        <a:rPr lang="en-US" sz="1600" dirty="0" smtClean="0"/>
+                        <a:t>email</a:t>
+                      </a:r>
+                      <a:endParaRPr lang="en-US" sz="1600" dirty="0"/>
+                    </a:p>
+                  </a:txBody>
+                  <a:tcPr/>
+                </a:tc>
+              </a:tr>
+              <a:tr h="361393">
+                <a:tc>
+                  <a:txBody>
+                    <a:bodyPr/>
+                    <a:lstStyle/>
+                    <a:p>
+                      <a:pPr algn="ctr"/>
+                      <a:r>
+                        <a:rPr lang="en-US" sz="1600" dirty="0" err="1" smtClean="0"/>
+                        <a:t>firstName</a:t>
+                      </a:r>
+                      <a:endParaRPr lang="en-US" sz="1600" dirty="0"/>
+                    </a:p>
+                  </a:txBody>
+                  <a:tcPr/>
+                </a:tc>
+              </a:tr>
+              <a:tr h="361393">
+                <a:tc>
+                  <a:txBody>
+                    <a:bodyPr/>
+                    <a:lstStyle/>
+                    <a:p>
+                      <a:pPr algn="ctr"/>
+                      <a:r>
+                        <a:rPr lang="en-US" sz="1600" dirty="0" err="1" smtClean="0"/>
+                        <a:t>lastName</a:t>
+                      </a:r>
+                      <a:endParaRPr lang="en-US" sz="1600" dirty="0"/>
+                    </a:p>
+                  </a:txBody>
+                  <a:tcPr/>
+                </a:tc>
+              </a:tr>
+            </a:tbl>
+          </a:graphicData>
+        </a:graphic>
+      </p:graphicFrame>
+      <p:cxnSp>
+        <p:nvCxnSpPr>
+          <p:cNvPr id="12" name="Straight Arrow Connector 11"/>
+          <p:cNvCxnSpPr/>
+          <p:nvPr/>
+        </p:nvCxnSpPr>
+        <p:spPr>
+          <a:xfrm>
+            <a:off x="4213522" y="3740988"/>
+            <a:ext cx="556978" cy="0"/>
+          </a:xfrm>
+          <a:prstGeom prst="straightConnector1">
+            <a:avLst/>
+          </a:prstGeom>
+          <a:ln>
+            <a:solidFill>
+              <a:schemeClr val="tx1"/>
+            </a:solidFill>
+            <a:tailEnd type="triangle"/>
+          </a:ln>
+        </p:spPr>
+        <p:style>
+          <a:lnRef idx="1">
+            <a:schemeClr val="accent1"/>
+          </a:lnRef>
+          <a:fillRef idx="0">
+            <a:schemeClr val="accent1"/>
+          </a:fillRef>
+          <a:effectRef idx="0">
+            <a:schemeClr val="accent1"/>
+          </a:effectRef>
+          <a:fontRef idx="minor">
+            <a:schemeClr val="tx1"/>
+          </a:fontRef>
+        </p:style>
+      </p:cxnSp>
+      <p:cxnSp>
+        <p:nvCxnSpPr>
+          <p:cNvPr id="14" name="Elbow Connector 13"/>
+          <p:cNvCxnSpPr/>
+          <p:nvPr/>
+        </p:nvCxnSpPr>
+        <p:spPr>
+          <a:xfrm>
+            <a:off x="1877452" y="3551413"/>
+            <a:ext cx="780690" cy="759124"/>
+          </a:xfrm>
+          <a:prstGeom prst="bentConnector3">
+            <a:avLst/>
+          </a:prstGeom>
+          <a:ln>
+            <a:solidFill>
+              <a:schemeClr val="tx1"/>
+            </a:solidFill>
+            <a:tailEnd type="triangle"/>
+          </a:ln>
+        </p:spPr>
+        <p:style>
+          <a:lnRef idx="1">
+            <a:schemeClr val="accent1"/>
+          </a:lnRef>
+          <a:fillRef idx="0">
+            <a:schemeClr val="accent1"/>
+          </a:fillRef>
+          <a:effectRef idx="0">
+            <a:schemeClr val="accent1"/>
+          </a:effectRef>
+          <a:fontRef idx="minor">
+            <a:schemeClr val="tx1"/>
+          </a:fontRef>
+        </p:style>
+      </p:cxnSp>
+      <p:cxnSp>
+        <p:nvCxnSpPr>
+          <p:cNvPr id="20" name="Elbow Connector 19"/>
+          <p:cNvCxnSpPr/>
+          <p:nvPr/>
+        </p:nvCxnSpPr>
+        <p:spPr>
+          <a:xfrm>
+            <a:off x="6185008" y="3636988"/>
+            <a:ext cx="503302" cy="500332"/>
+          </a:xfrm>
+          <a:prstGeom prst="bentConnector3">
+            <a:avLst>
+              <a:gd name="adj1" fmla="val 50000"/>
+            </a:avLst>
+          </a:prstGeom>
+          <a:ln>
+            <a:solidFill>
+              <a:schemeClr val="tx1"/>
+            </a:solidFill>
+            <a:tailEnd type="triangle"/>
+          </a:ln>
+        </p:spPr>
+        <p:style>
+          <a:lnRef idx="1">
+            <a:schemeClr val="accent1"/>
+          </a:lnRef>
+          <a:fillRef idx="0">
+            <a:schemeClr val="accent1"/>
+          </a:fillRef>
+          <a:effectRef idx="0">
+            <a:schemeClr val="accent1"/>
+          </a:effectRef>
+          <a:fontRef idx="minor">
+            <a:schemeClr val="tx1"/>
+          </a:fontRef>
+        </p:style>
+      </p:cxnSp>
+      <p:cxnSp>
+        <p:nvCxnSpPr>
+          <p:cNvPr id="26" name="Straight Arrow Connector 25"/>
+          <p:cNvCxnSpPr/>
+          <p:nvPr/>
+        </p:nvCxnSpPr>
+        <p:spPr>
+          <a:xfrm>
+            <a:off x="8164227" y="3631237"/>
+            <a:ext cx="556978" cy="0"/>
+          </a:xfrm>
+          <a:prstGeom prst="straightConnector1">
+            <a:avLst/>
+          </a:prstGeom>
+          <a:ln>
+            <a:solidFill>
+              <a:schemeClr val="tx1"/>
+            </a:solidFill>
+            <a:tailEnd type="triangle"/>
+          </a:ln>
+        </p:spPr>
+        <p:style>
+          <a:lnRef idx="1">
+            <a:schemeClr val="accent1"/>
+          </a:lnRef>
+          <a:fillRef idx="0">
+            <a:schemeClr val="accent1"/>
+          </a:fillRef>
+          <a:effectRef idx="0">
+            <a:schemeClr val="accent1"/>
+          </a:effectRef>
+          <a:fontRef idx="minor">
+            <a:schemeClr val="tx1"/>
+          </a:fontRef>
+        </p:style>
+      </p:cxnSp>
+      <p:cxnSp>
+        <p:nvCxnSpPr>
+          <p:cNvPr id="27" name="Elbow Connector 26"/>
+          <p:cNvCxnSpPr/>
+          <p:nvPr/>
+        </p:nvCxnSpPr>
+        <p:spPr>
+          <a:xfrm>
+            <a:off x="9960863" y="3680809"/>
+            <a:ext cx="423704" cy="347561"/>
+          </a:xfrm>
+          <a:prstGeom prst="bentConnector3">
+            <a:avLst>
+              <a:gd name="adj1" fmla="val 52036"/>
+            </a:avLst>
+          </a:prstGeom>
+          <a:ln>
+            <a:solidFill>
+              <a:schemeClr val="tx1"/>
+            </a:solidFill>
+            <a:tailEnd type="triangle"/>
+          </a:ln>
+        </p:spPr>
+        <p:style>
+          <a:lnRef idx="1">
+            <a:schemeClr val="accent1"/>
+          </a:lnRef>
+          <a:fillRef idx="0">
+            <a:schemeClr val="accent1"/>
+          </a:fillRef>
+          <a:effectRef idx="0">
+            <a:schemeClr val="accent1"/>
+          </a:effectRef>
+          <a:fontRef idx="minor">
+            <a:schemeClr val="tx1"/>
+          </a:fontRef>
+        </p:style>
+      </p:cxnSp>
+      <p:sp>
+        <p:nvSpPr>
+          <p:cNvPr id="34" name="TextBox 33"/>
+          <p:cNvSpPr txBox="1"/>
+          <p:nvPr/>
+        </p:nvSpPr>
+        <p:spPr>
+          <a:xfrm>
+            <a:off x="3830129" y="6085134"/>
+            <a:ext cx="3901978" cy="369332"/>
+          </a:xfrm>
+          <a:prstGeom prst="rect">
+            <a:avLst/>
+          </a:prstGeom>
+          <a:noFill/>
+        </p:spPr>
+        <p:txBody>
+          <a:bodyPr wrap="square" rtlCol="0">
+            <a:spAutoFit/>
+          </a:bodyPr>
+          <a:lstStyle/>
+          <a:p>
+            <a:r>
+              <a:rPr lang="en-US" dirty="0" smtClean="0"/>
+              <a:t>Utilized </a:t>
+            </a:r>
+            <a:r>
+              <a:rPr lang="en-US" dirty="0" err="1" smtClean="0"/>
+              <a:t>php</a:t>
+            </a:r>
+            <a:r>
+              <a:rPr lang="en-US" dirty="0" smtClean="0"/>
+              <a:t> scripts to access database</a:t>
+            </a:r>
+            <a:endParaRPr lang="en-US" dirty="0"/>
+          </a:p>
+        </p:txBody>
+      </p:sp>
+    </p:spTree>
+    <p:extLst>
+      <p:ext uri="{BB962C8B-B14F-4D97-AF65-F5344CB8AC3E}">
+        <p14:creationId xmlns:p14="http://schemas.microsoft.com/office/powerpoint/2010/main" val="2673799835"/>
+      </p:ext>
+    </p:extLst>
+  </p:cSld>
+  <p:clrMapOvr>
+    <a:masterClrMapping/>
+  </p:clrMapOvr>
+  <p:timing>
+    <p:tnLst>
+      <p:par>
+        <p:cTn id="1" dur="indefinite" restart="never" nodeType="tmRoot">
+          <p:childTnLst>
+            <p:seq concurrent="1" nextAc="seek">
+              <p:cTn id="2" dur="indefinite" nodeType="mainSeq">
+                <p:childTnLst>
+                  <p:par>
+                    <p:cTn id="3" fill="hold">
+                      <p:stCondLst>
+                        <p:cond delay="indefinite"/>
+                      </p:stCondLst>
+                      <p:childTnLst>
+                        <p:par>
+                          <p:cTn id="4" fill="hold">
+                            <p:stCondLst>
+                              <p:cond delay="0"/>
+                            </p:stCondLst>
+                            <p:childTnLst>
+                              <p:par>
+                                <p:cTn id="5" presetID="10" presetClass="entr" presetSubtype="0" fill="hold" nodeType="clickEffect">
+                                  <p:stCondLst>
+                                    <p:cond delay="0"/>
+                                  </p:stCondLst>
+                                  <p:childTnLst>
+                                    <p:set>
+                                      <p:cBhvr>
+                                        <p:cTn id="6" dur="1" fill="hold">
+                                          <p:stCondLst>
+                                            <p:cond delay="0"/>
+                                          </p:stCondLst>
+                                        </p:cTn>
+                                        <p:tgtEl>
+                                          <p:spTgt spid="10"/>
+                                        </p:tgtEl>
+                                        <p:attrNameLst>
+                                          <p:attrName>style.visibility</p:attrName>
+                                        </p:attrNameLst>
+                                      </p:cBhvr>
+                                      <p:to>
+                                        <p:strVal val="visible"/>
+                                      </p:to>
+                                    </p:set>
+                                    <p:animEffect transition="in" filter="fade">
+                                      <p:cBhvr>
+                                        <p:cTn id="7" dur="500"/>
+                                        <p:tgtEl>
+                                          <p:spTgt spid="10"/>
+                                        </p:tgtEl>
+                                      </p:cBhvr>
+                                    </p:animEffect>
+                                  </p:childTnLst>
+                                </p:cTn>
+                              </p:par>
+                            </p:childTnLst>
+                          </p:cTn>
+                        </p:par>
+                      </p:childTnLst>
+                    </p:cTn>
+                  </p:par>
+                  <p:par>
+                    <p:cTn id="8" fill="hold">
+                      <p:stCondLst>
+                        <p:cond delay="indefinite"/>
+                      </p:stCondLst>
+                      <p:childTnLst>
+                        <p:par>
+                          <p:cTn id="9" fill="hold">
+                            <p:stCondLst>
+                              <p:cond delay="0"/>
+                            </p:stCondLst>
+                            <p:childTnLst>
+                              <p:par>
+                                <p:cTn id="10" presetID="10" presetClass="entr" presetSubtype="0" fill="hold" nodeType="clickEffect">
+                                  <p:stCondLst>
+                                    <p:cond delay="0"/>
+                                  </p:stCondLst>
+                                  <p:childTnLst>
+                                    <p:set>
+                                      <p:cBhvr>
+                                        <p:cTn id="11" dur="1" fill="hold">
+                                          <p:stCondLst>
+                                            <p:cond delay="0"/>
+                                          </p:stCondLst>
+                                        </p:cTn>
+                                        <p:tgtEl>
+                                          <p:spTgt spid="9"/>
+                                        </p:tgtEl>
+                                        <p:attrNameLst>
+                                          <p:attrName>style.visibility</p:attrName>
+                                        </p:attrNameLst>
+                                      </p:cBhvr>
+                                      <p:to>
+                                        <p:strVal val="visible"/>
+                                      </p:to>
+                                    </p:set>
+                                    <p:animEffect transition="in" filter="fade">
+                                      <p:cBhvr>
+                                        <p:cTn id="12" dur="500"/>
+                                        <p:tgtEl>
+                                          <p:spTgt spid="9"/>
+                                        </p:tgtEl>
+                                      </p:cBhvr>
+                                    </p:animEffect>
+                                  </p:childTnLst>
+                                </p:cTn>
+                              </p:par>
+                              <p:par>
+                                <p:cTn id="13" presetID="10" presetClass="entr" presetSubtype="0" fill="hold" nodeType="withEffect">
+                                  <p:stCondLst>
+                                    <p:cond delay="0"/>
+                                  </p:stCondLst>
+                                  <p:childTnLst>
+                                    <p:set>
+                                      <p:cBhvr>
+                                        <p:cTn id="14" dur="1" fill="hold">
+                                          <p:stCondLst>
+                                            <p:cond delay="0"/>
+                                          </p:stCondLst>
+                                        </p:cTn>
+                                        <p:tgtEl>
+                                          <p:spTgt spid="14"/>
+                                        </p:tgtEl>
+                                        <p:attrNameLst>
+                                          <p:attrName>style.visibility</p:attrName>
+                                        </p:attrNameLst>
+                                      </p:cBhvr>
+                                      <p:to>
+                                        <p:strVal val="visible"/>
+                                      </p:to>
+                                    </p:set>
+                                    <p:animEffect transition="in" filter="fade">
+                                      <p:cBhvr>
+                                        <p:cTn id="15" dur="500"/>
+                                        <p:tgtEl>
+                                          <p:spTgt spid="14"/>
+                                        </p:tgtEl>
+                                      </p:cBhvr>
+                                    </p:animEffect>
+                                  </p:childTnLst>
+                                </p:cTn>
+                              </p:par>
+                            </p:childTnLst>
+                          </p:cTn>
+                        </p:par>
+                      </p:childTnLst>
+                    </p:cTn>
+                  </p:par>
+                  <p:par>
+                    <p:cTn id="16" fill="hold">
+                      <p:stCondLst>
+                        <p:cond delay="indefinite"/>
+                      </p:stCondLst>
+                      <p:childTnLst>
+                        <p:par>
+                          <p:cTn id="17" fill="hold">
+                            <p:stCondLst>
+                              <p:cond delay="0"/>
+                            </p:stCondLst>
+                            <p:childTnLst>
+                              <p:par>
+                                <p:cTn id="18" presetID="10" presetClass="entr" presetSubtype="0" fill="hold" nodeType="clickEffect">
+                                  <p:stCondLst>
+                                    <p:cond delay="0"/>
+                                  </p:stCondLst>
+                                  <p:childTnLst>
+                                    <p:set>
+                                      <p:cBhvr>
+                                        <p:cTn id="19" dur="1" fill="hold">
+                                          <p:stCondLst>
+                                            <p:cond delay="0"/>
+                                          </p:stCondLst>
+                                        </p:cTn>
+                                        <p:tgtEl>
+                                          <p:spTgt spid="8"/>
+                                        </p:tgtEl>
+                                        <p:attrNameLst>
+                                          <p:attrName>style.visibility</p:attrName>
+                                        </p:attrNameLst>
+                                      </p:cBhvr>
+                                      <p:to>
+                                        <p:strVal val="visible"/>
+                                      </p:to>
+                                    </p:set>
+                                    <p:animEffect transition="in" filter="fade">
+                                      <p:cBhvr>
+                                        <p:cTn id="20" dur="500"/>
+                                        <p:tgtEl>
+                                          <p:spTgt spid="8"/>
+                                        </p:tgtEl>
+                                      </p:cBhvr>
+                                    </p:animEffect>
+                                  </p:childTnLst>
+                                </p:cTn>
+                              </p:par>
+                              <p:par>
+                                <p:cTn id="21" presetID="10" presetClass="entr" presetSubtype="0" fill="hold" nodeType="withEffect">
+                                  <p:stCondLst>
+                                    <p:cond delay="0"/>
+                                  </p:stCondLst>
+                                  <p:childTnLst>
+                                    <p:set>
+                                      <p:cBhvr>
+                                        <p:cTn id="22" dur="1" fill="hold">
+                                          <p:stCondLst>
+                                            <p:cond delay="0"/>
+                                          </p:stCondLst>
+                                        </p:cTn>
+                                        <p:tgtEl>
+                                          <p:spTgt spid="12"/>
+                                        </p:tgtEl>
+                                        <p:attrNameLst>
+                                          <p:attrName>style.visibility</p:attrName>
+                                        </p:attrNameLst>
+                                      </p:cBhvr>
+                                      <p:to>
+                                        <p:strVal val="visible"/>
+                                      </p:to>
+                                    </p:set>
+                                    <p:animEffect transition="in" filter="fade">
+                                      <p:cBhvr>
+                                        <p:cTn id="23" dur="500"/>
+                                        <p:tgtEl>
+                                          <p:spTgt spid="12"/>
+                                        </p:tgtEl>
+                                      </p:cBhvr>
+                                    </p:animEffect>
+                                  </p:childTnLst>
+                                </p:cTn>
+                              </p:par>
+                            </p:childTnLst>
+                          </p:cTn>
+                        </p:par>
+                      </p:childTnLst>
+                    </p:cTn>
+                  </p:par>
+                  <p:par>
+                    <p:cTn id="24" fill="hold">
+                      <p:stCondLst>
+                        <p:cond delay="indefinite"/>
+                      </p:stCondLst>
+                      <p:childTnLst>
+                        <p:par>
+                          <p:cTn id="25" fill="hold">
+                            <p:stCondLst>
+                              <p:cond delay="0"/>
+                            </p:stCondLst>
+                            <p:childTnLst>
+                              <p:par>
+                                <p:cTn id="26" presetID="10" presetClass="entr" presetSubtype="0" fill="hold" nodeType="clickEffect">
+                                  <p:stCondLst>
+                                    <p:cond delay="0"/>
+                                  </p:stCondLst>
+                                  <p:childTnLst>
+                                    <p:set>
+                                      <p:cBhvr>
+                                        <p:cTn id="27" dur="1" fill="hold">
+                                          <p:stCondLst>
+                                            <p:cond delay="0"/>
+                                          </p:stCondLst>
+                                        </p:cTn>
+                                        <p:tgtEl>
+                                          <p:spTgt spid="6"/>
+                                        </p:tgtEl>
+                                        <p:attrNameLst>
+                                          <p:attrName>style.visibility</p:attrName>
+                                        </p:attrNameLst>
+                                      </p:cBhvr>
+                                      <p:to>
+                                        <p:strVal val="visible"/>
+                                      </p:to>
+                                    </p:set>
+                                    <p:animEffect transition="in" filter="fade">
+                                      <p:cBhvr>
+                                        <p:cTn id="28" dur="500"/>
+                                        <p:tgtEl>
+                                          <p:spTgt spid="6"/>
+                                        </p:tgtEl>
+                                      </p:cBhvr>
+                                    </p:animEffect>
+                                  </p:childTnLst>
+                                </p:cTn>
+                              </p:par>
+                              <p:par>
+                                <p:cTn id="29" presetID="10" presetClass="entr" presetSubtype="0" fill="hold" nodeType="withEffect">
+                                  <p:stCondLst>
+                                    <p:cond delay="0"/>
+                                  </p:stCondLst>
+                                  <p:childTnLst>
+                                    <p:set>
+                                      <p:cBhvr>
+                                        <p:cTn id="30" dur="1" fill="hold">
+                                          <p:stCondLst>
+                                            <p:cond delay="0"/>
+                                          </p:stCondLst>
+                                        </p:cTn>
+                                        <p:tgtEl>
+                                          <p:spTgt spid="20"/>
+                                        </p:tgtEl>
+                                        <p:attrNameLst>
+                                          <p:attrName>style.visibility</p:attrName>
+                                        </p:attrNameLst>
+                                      </p:cBhvr>
+                                      <p:to>
+                                        <p:strVal val="visible"/>
+                                      </p:to>
+                                    </p:set>
+                                    <p:animEffect transition="in" filter="fade">
+                                      <p:cBhvr>
+                                        <p:cTn id="31" dur="500"/>
+                                        <p:tgtEl>
+                                          <p:spTgt spid="20"/>
+                                        </p:tgtEl>
+                                      </p:cBhvr>
+                                    </p:animEffect>
+                                  </p:childTnLst>
+                                </p:cTn>
+                              </p:par>
+                            </p:childTnLst>
+                          </p:cTn>
+                        </p:par>
+                      </p:childTnLst>
+                    </p:cTn>
+                  </p:par>
+                  <p:par>
+                    <p:cTn id="32" fill="hold">
+                      <p:stCondLst>
+                        <p:cond delay="indefinite"/>
+                      </p:stCondLst>
+                      <p:childTnLst>
+                        <p:par>
+                          <p:cTn id="33" fill="hold">
+                            <p:stCondLst>
+                              <p:cond delay="0"/>
+                            </p:stCondLst>
+                            <p:childTnLst>
+                              <p:par>
+                                <p:cTn id="34" presetID="10" presetClass="entr" presetSubtype="0" fill="hold" nodeType="clickEffect">
+                                  <p:stCondLst>
+                                    <p:cond delay="0"/>
+                                  </p:stCondLst>
+                                  <p:childTnLst>
+                                    <p:set>
+                                      <p:cBhvr>
+                                        <p:cTn id="35" dur="1" fill="hold">
+                                          <p:stCondLst>
+                                            <p:cond delay="0"/>
+                                          </p:stCondLst>
+                                        </p:cTn>
+                                        <p:tgtEl>
+                                          <p:spTgt spid="5"/>
+                                        </p:tgtEl>
+                                        <p:attrNameLst>
+                                          <p:attrName>style.visibility</p:attrName>
+                                        </p:attrNameLst>
+                                      </p:cBhvr>
+                                      <p:to>
+                                        <p:strVal val="visible"/>
+                                      </p:to>
+                                    </p:set>
+                                    <p:animEffect transition="in" filter="fade">
+                                      <p:cBhvr>
+                                        <p:cTn id="36" dur="500"/>
+                                        <p:tgtEl>
+                                          <p:spTgt spid="5"/>
+                                        </p:tgtEl>
+                                      </p:cBhvr>
+                                    </p:animEffect>
+                                  </p:childTnLst>
+                                </p:cTn>
+                              </p:par>
+                              <p:par>
+                                <p:cTn id="37" presetID="10" presetClass="entr" presetSubtype="0" fill="hold" nodeType="withEffect">
+                                  <p:stCondLst>
+                                    <p:cond delay="0"/>
+                                  </p:stCondLst>
+                                  <p:childTnLst>
+                                    <p:set>
+                                      <p:cBhvr>
+                                        <p:cTn id="38" dur="1" fill="hold">
+                                          <p:stCondLst>
+                                            <p:cond delay="0"/>
+                                          </p:stCondLst>
+                                        </p:cTn>
+                                        <p:tgtEl>
+                                          <p:spTgt spid="26"/>
+                                        </p:tgtEl>
+                                        <p:attrNameLst>
+                                          <p:attrName>style.visibility</p:attrName>
+                                        </p:attrNameLst>
+                                      </p:cBhvr>
+                                      <p:to>
+                                        <p:strVal val="visible"/>
+                                      </p:to>
+                                    </p:set>
+                                    <p:animEffect transition="in" filter="fade">
+                                      <p:cBhvr>
+                                        <p:cTn id="39" dur="500"/>
+                                        <p:tgtEl>
+                                          <p:spTgt spid="26"/>
+                                        </p:tgtEl>
+                                      </p:cBhvr>
+                                    </p:animEffect>
+                                  </p:childTnLst>
+                                </p:cTn>
+                              </p:par>
+                            </p:childTnLst>
+                          </p:cTn>
+                        </p:par>
+                      </p:childTnLst>
+                    </p:cTn>
+                  </p:par>
+                  <p:par>
+                    <p:cTn id="40" fill="hold">
+                      <p:stCondLst>
+                        <p:cond delay="indefinite"/>
+                      </p:stCondLst>
+                      <p:childTnLst>
+                        <p:par>
+                          <p:cTn id="41" fill="hold">
+                            <p:stCondLst>
+                              <p:cond delay="0"/>
+                            </p:stCondLst>
+                            <p:childTnLst>
+                              <p:par>
+                                <p:cTn id="42" presetID="10" presetClass="entr" presetSubtype="0" fill="hold" nodeType="clickEffect">
+                                  <p:stCondLst>
+                                    <p:cond delay="0"/>
+                                  </p:stCondLst>
+                                  <p:childTnLst>
+                                    <p:set>
+                                      <p:cBhvr>
+                                        <p:cTn id="43" dur="1" fill="hold">
+                                          <p:stCondLst>
+                                            <p:cond delay="0"/>
+                                          </p:stCondLst>
+                                        </p:cTn>
+                                        <p:tgtEl>
+                                          <p:spTgt spid="7"/>
+                                        </p:tgtEl>
+                                        <p:attrNameLst>
+                                          <p:attrName>style.visibility</p:attrName>
+                                        </p:attrNameLst>
+                                      </p:cBhvr>
+                                      <p:to>
+                                        <p:strVal val="visible"/>
+                                      </p:to>
+                                    </p:set>
+                                    <p:animEffect transition="in" filter="fade">
+                                      <p:cBhvr>
+                                        <p:cTn id="44" dur="500"/>
+                                        <p:tgtEl>
+                                          <p:spTgt spid="7"/>
+                                        </p:tgtEl>
+                                      </p:cBhvr>
+                                    </p:animEffect>
+                                  </p:childTnLst>
+                                </p:cTn>
+                              </p:par>
+                              <p:par>
+                                <p:cTn id="45" presetID="10" presetClass="entr" presetSubtype="0" fill="hold" nodeType="withEffect">
+                                  <p:stCondLst>
+                                    <p:cond delay="0"/>
+                                  </p:stCondLst>
+                                  <p:childTnLst>
+                                    <p:set>
+                                      <p:cBhvr>
+                                        <p:cTn id="46" dur="1" fill="hold">
+                                          <p:stCondLst>
+                                            <p:cond delay="0"/>
+                                          </p:stCondLst>
+                                        </p:cTn>
+                                        <p:tgtEl>
+                                          <p:spTgt spid="27"/>
+                                        </p:tgtEl>
+                                        <p:attrNameLst>
+                                          <p:attrName>style.visibility</p:attrName>
+                                        </p:attrNameLst>
+                                      </p:cBhvr>
+                                      <p:to>
+                                        <p:strVal val="visible"/>
+                                      </p:to>
+                                    </p:set>
+                                    <p:animEffect transition="in" filter="fade">
+                                      <p:cBhvr>
+                                        <p:cTn id="47" dur="500"/>
+                                        <p:tgtEl>
+                                          <p:spTgt spid="27"/>
+                                        </p:tgtEl>
+                                      </p:cBhvr>
+                                    </p:animEffect>
+                                  </p:childTnLst>
+                                </p:cTn>
+                              </p:par>
+                            </p:childTnLst>
+                          </p:cTn>
+                        </p:par>
+                      </p:childTnLst>
+                    </p:cTn>
+                  </p:par>
+                  <p:par>
+                    <p:cTn id="48" fill="hold">
+                      <p:stCondLst>
+                        <p:cond delay="indefinite"/>
+                      </p:stCondLst>
+                      <p:childTnLst>
+                        <p:par>
+                          <p:cTn id="49" fill="hold">
+                            <p:stCondLst>
+                              <p:cond delay="0"/>
+                            </p:stCondLst>
+                            <p:childTnLst>
+                              <p:par>
+                                <p:cTn id="50" presetID="10" presetClass="entr" presetSubtype="0" fill="hold" grpId="0" nodeType="clickEffect">
+                                  <p:stCondLst>
+                                    <p:cond delay="0"/>
+                                  </p:stCondLst>
+                                  <p:childTnLst>
+                                    <p:set>
+                                      <p:cBhvr>
+                                        <p:cTn id="51" dur="1" fill="hold">
+                                          <p:stCondLst>
+                                            <p:cond delay="0"/>
+                                          </p:stCondLst>
+                                        </p:cTn>
+                                        <p:tgtEl>
+                                          <p:spTgt spid="34"/>
+                                        </p:tgtEl>
+                                        <p:attrNameLst>
+                                          <p:attrName>style.visibility</p:attrName>
+                                        </p:attrNameLst>
+                                      </p:cBhvr>
+                                      <p:to>
+                                        <p:strVal val="visible"/>
+                                      </p:to>
+                                    </p:set>
+                                    <p:animEffect transition="in" filter="fade">
+                                      <p:cBhvr>
+                                        <p:cTn id="52" dur="500"/>
+                                        <p:tgtEl>
+                                          <p:spTgt spid="34"/>
+                                        </p:tgtEl>
+                                      </p:cBhvr>
+                                    </p:animEffect>
+                                  </p:childTnLst>
+                                </p:cTn>
+                              </p:par>
+                            </p:childTnLst>
+                          </p:cTn>
+                        </p:par>
+                      </p:childTnLst>
+                    </p:cTn>
+                  </p:par>
+                </p:childTnLst>
+              </p:cTn>
+              <p:prevCondLst>
+                <p:cond evt="onPrev" delay="0">
+                  <p:tgtEl>
+                    <p:sldTgt/>
+                  </p:tgtEl>
+                </p:cond>
+              </p:prevCondLst>
+              <p:nextCondLst>
+                <p:cond evt="onNext" delay="0">
+                  <p:tgtEl>
+                    <p:sldTgt/>
+                  </p:tgtEl>
+                </p:cond>
+              </p:nextCondLst>
+            </p:seq>
+          </p:childTnLst>
+        </p:cTn>
+      </p:par>
+    </p:tnLst>
+    <p:bldLst>
+      <p:bldP spid="34" grpId="0"/>
+    </p:bldLst>
+  </p:timing>
+</p:sld>
+</file>
+
+<file path=ppt/slides/slide11.xml><?xml version="1.0" encoding="utf-8"?>
+<p:sld xmlns:a="http://schemas.openxmlformats.org/drawingml/2006/main" xmlns:r="http://schemas.openxmlformats.org/officeDocument/2006/relationships" xmlns:p="http://schemas.openxmlformats.org/presentationml/2006/main">
+  <p:cSld>
+    <p:spTree>
+      <p:nvGrpSpPr>
+        <p:cNvPr id="1" name=""/>
+        <p:cNvGrpSpPr/>
+        <p:nvPr/>
+      </p:nvGrpSpPr>
+      <p:grpSpPr>
+        <a:xfrm>
+          <a:off x="0" y="0"/>
+          <a:ext cx="0" cy="0"/>
+          <a:chOff x="0" y="0"/>
+          <a:chExt cx="0" cy="0"/>
+        </a:xfrm>
+      </p:grpSpPr>
+      <p:sp>
+        <p:nvSpPr>
+          <p:cNvPr id="2" name="Title 1"/>
+          <p:cNvSpPr>
+            <a:spLocks noGrp="1"/>
+          </p:cNvSpPr>
+          <p:nvPr>
+            <p:ph type="title"/>
+          </p:nvPr>
+        </p:nvSpPr>
+        <p:spPr/>
+        <p:txBody>
+          <a:bodyPr/>
+          <a:lstStyle/>
+          <a:p>
+            <a:r>
+              <a:rPr lang="en-US" dirty="0" smtClean="0"/>
+              <a:t>Demo</a:t>
+            </a:r>
+            <a:endParaRPr lang="en-US" dirty="0"/>
+          </a:p>
+        </p:txBody>
+      </p:sp>
+      <p:sp>
+        <p:nvSpPr>
+          <p:cNvPr id="3" name="Content Placeholder 2"/>
+          <p:cNvSpPr>
+            <a:spLocks noGrp="1"/>
+          </p:cNvSpPr>
+          <p:nvPr>
+            <p:ph idx="1"/>
+          </p:nvPr>
+        </p:nvSpPr>
+        <p:spPr/>
+        <p:txBody>
+          <a:bodyPr/>
+          <a:lstStyle/>
+          <a:p>
+            <a:pPr marL="0" indent="0" algn="ctr">
+              <a:buNone/>
+            </a:pPr>
+            <a:r>
+              <a:rPr lang="en-US" dirty="0">
+                <a:hlinkClick r:id="rId2"/>
+              </a:rPr>
+              <a:t>http://</a:t>
+            </a:r>
+            <a:r>
+              <a:rPr lang="en-US" dirty="0" smtClean="0">
+                <a:hlinkClick r:id="rId2"/>
+              </a:rPr>
+              <a:t>localhost:8080/IIT-Project/index.php</a:t>
+            </a:r>
+            <a:endParaRPr lang="en-US" dirty="0" smtClean="0"/>
+          </a:p>
+          <a:p>
+            <a:endParaRPr lang="en-US" dirty="0"/>
+          </a:p>
+        </p:txBody>
+      </p:sp>
+    </p:spTree>
+    <p:extLst>
+      <p:ext uri="{BB962C8B-B14F-4D97-AF65-F5344CB8AC3E}">
+        <p14:creationId xmlns:p14="http://schemas.microsoft.com/office/powerpoint/2010/main" val="219420181"/>
+      </p:ext>
+    </p:extLst>
+  </p:cSld>
+  <p:clrMapOvr>
+    <a:masterClrMapping/>
+  </p:clrMapOvr>
+  <p:timing>
+    <p:tnLst>
+      <p:par>
+        <p:cTn id="1" dur="indefinite" restart="never" nodeType="tmRoot"/>
+      </p:par>
+    </p:tnLst>
+  </p:timing>
+</p:sld>
+</file>
+
+<file path=ppt/slides/slide12.xml><?xml version="1.0" encoding="utf-8"?>
+<p:sld xmlns:a="http://schemas.openxmlformats.org/drawingml/2006/main" xmlns:r="http://schemas.openxmlformats.org/officeDocument/2006/relationships" xmlns:p="http://schemas.openxmlformats.org/presentationml/2006/main">
+  <p:cSld>
+    <p:spTree>
+      <p:nvGrpSpPr>
+        <p:cNvPr id="1" name=""/>
+        <p:cNvGrpSpPr/>
+        <p:nvPr/>
+      </p:nvGrpSpPr>
+      <p:grpSpPr>
+        <a:xfrm>
+          <a:off x="0" y="0"/>
+          <a:ext cx="0" cy="0"/>
+          <a:chOff x="0" y="0"/>
+          <a:chExt cx="0" cy="0"/>
+        </a:xfrm>
+      </p:grpSpPr>
+      <p:sp>
+        <p:nvSpPr>
+          <p:cNvPr id="2" name="Title 1"/>
+          <p:cNvSpPr>
+            <a:spLocks noGrp="1"/>
+          </p:cNvSpPr>
+          <p:nvPr>
+            <p:ph type="title"/>
+          </p:nvPr>
+        </p:nvSpPr>
+        <p:spPr/>
+        <p:txBody>
+          <a:bodyPr/>
+          <a:lstStyle/>
+          <a:p>
+            <a:r>
+              <a:rPr lang="en-US" dirty="0" smtClean="0"/>
+              <a:t>Future plans</a:t>
+            </a:r>
+            <a:endParaRPr lang="en-US" dirty="0"/>
+          </a:p>
+        </p:txBody>
+      </p:sp>
+      <p:sp>
+        <p:nvSpPr>
+          <p:cNvPr id="3" name="Content Placeholder 2"/>
+          <p:cNvSpPr>
+            <a:spLocks noGrp="1"/>
+          </p:cNvSpPr>
+          <p:nvPr>
+            <p:ph idx="1"/>
+          </p:nvPr>
+        </p:nvSpPr>
+        <p:spPr/>
+        <p:txBody>
+          <a:bodyPr/>
+          <a:lstStyle/>
+          <a:p>
+            <a:r>
+              <a:rPr lang="en-US" dirty="0" smtClean="0"/>
+              <a:t>Rent payment feature</a:t>
+            </a:r>
+          </a:p>
+          <a:p>
+            <a:r>
+              <a:rPr lang="en-US" dirty="0" smtClean="0"/>
+              <a:t>Set rewards for having a high score</a:t>
+            </a:r>
+          </a:p>
+          <a:p>
+            <a:pPr lvl="1"/>
+            <a:r>
+              <a:rPr lang="en-US" dirty="0" err="1" smtClean="0"/>
+              <a:t>ie</a:t>
+            </a:r>
+            <a:r>
+              <a:rPr lang="en-US" dirty="0" smtClean="0"/>
+              <a:t>. Decreasing rent</a:t>
+            </a:r>
+          </a:p>
+          <a:p>
+            <a:r>
+              <a:rPr lang="en-US" dirty="0" smtClean="0"/>
+              <a:t>Set punishments for having low scores</a:t>
+            </a:r>
+          </a:p>
+          <a:p>
+            <a:pPr lvl="1"/>
+            <a:r>
+              <a:rPr lang="en-US" dirty="0" err="1"/>
+              <a:t>ie</a:t>
+            </a:r>
+            <a:r>
+              <a:rPr lang="en-US" dirty="0"/>
+              <a:t>. Increasing </a:t>
+            </a:r>
+            <a:r>
+              <a:rPr lang="en-US" dirty="0" smtClean="0"/>
+              <a:t>rent</a:t>
+            </a:r>
+          </a:p>
+          <a:p>
+            <a:r>
+              <a:rPr lang="en-US" dirty="0" smtClean="0"/>
+              <a:t>Incorporate website onto college campuses</a:t>
+            </a:r>
+          </a:p>
+        </p:txBody>
+      </p:sp>
+    </p:spTree>
+    <p:extLst>
+      <p:ext uri="{BB962C8B-B14F-4D97-AF65-F5344CB8AC3E}">
+        <p14:creationId xmlns:p14="http://schemas.microsoft.com/office/powerpoint/2010/main" val="223821961"/>
+      </p:ext>
+    </p:extLst>
+  </p:cSld>
+  <p:clrMapOvr>
+    <a:masterClrMapping/>
+  </p:clrMapOvr>
+  <p:timing>
+    <p:tnLst>
+      <p:par>
+        <p:cTn id="1" dur="indefinite" restart="never" nodeType="tmRoot"/>
+      </p:par>
+    </p:tnLst>
+  </p:timing>
+</p:sld>
+</file>
+
+<file path=ppt/slides/slide13.xml><?xml version="1.0" encoding="utf-8"?>
+<p:sld xmlns:a="http://schemas.openxmlformats.org/drawingml/2006/main" xmlns:r="http://schemas.openxmlformats.org/officeDocument/2006/relationships" xmlns:p="http://schemas.openxmlformats.org/presentationml/2006/main">
+  <p:cSld>
+    <p:spTree>
+      <p:nvGrpSpPr>
+        <p:cNvPr id="1" name=""/>
+        <p:cNvGrpSpPr/>
+        <p:nvPr/>
+      </p:nvGrpSpPr>
+      <p:grpSpPr>
+        <a:xfrm>
+          <a:off x="0" y="0"/>
+          <a:ext cx="0" cy="0"/>
+          <a:chOff x="0" y="0"/>
+          <a:chExt cx="0" cy="0"/>
+        </a:xfrm>
+      </p:grpSpPr>
+      <p:sp>
+        <p:nvSpPr>
+          <p:cNvPr id="2" name="Title 1"/>
+          <p:cNvSpPr>
+            <a:spLocks noGrp="1"/>
+          </p:cNvSpPr>
+          <p:nvPr>
+            <p:ph type="title"/>
+          </p:nvPr>
+        </p:nvSpPr>
+        <p:spPr/>
+        <p:txBody>
+          <a:bodyPr/>
+          <a:lstStyle/>
+          <a:p>
+            <a:r>
+              <a:rPr lang="en-US" dirty="0" smtClean="0"/>
+              <a:t>questions</a:t>
+            </a:r>
+            <a:endParaRPr lang="en-US" dirty="0"/>
+          </a:p>
+        </p:txBody>
+      </p:sp>
+      <p:sp>
+        <p:nvSpPr>
+          <p:cNvPr id="3" name="Content Placeholder 2"/>
+          <p:cNvSpPr>
+            <a:spLocks noGrp="1"/>
+          </p:cNvSpPr>
+          <p:nvPr>
+            <p:ph idx="1"/>
+          </p:nvPr>
+        </p:nvSpPr>
+        <p:spPr/>
+        <p:txBody>
+          <a:bodyPr/>
+          <a:lstStyle/>
+          <a:p>
+            <a:endParaRPr lang="en-US"/>
+          </a:p>
+        </p:txBody>
+      </p:sp>
+    </p:spTree>
+    <p:extLst>
+      <p:ext uri="{BB962C8B-B14F-4D97-AF65-F5344CB8AC3E}">
+        <p14:creationId xmlns:p14="http://schemas.microsoft.com/office/powerpoint/2010/main" val="2048299533"/>
+      </p:ext>
+    </p:extLst>
+  </p:cSld>
+  <p:clrMapOvr>
+    <a:masterClrMapping/>
+  </p:clrMapOvr>
+  <p:timing>
+    <p:tnLst>
+      <p:par>
+        <p:cTn id="1" dur="indefinite" restart="never" nodeType="tmRoot"/>
+      </p:par>
+    </p:tnLst>
+  </p:timing>
 </p:sld>
 </file>
 
@@ -3364,7 +5205,7 @@
           <a:p>
             <a:r>
               <a:rPr lang="en-US" dirty="0" smtClean="0"/>
-              <a:t>Description</a:t>
+              <a:t>Problem statement</a:t>
             </a:r>
             <a:endParaRPr lang="en-US" dirty="0"/>
           </a:p>
@@ -3385,19 +5226,21 @@
           <a:bodyPr/>
           <a:lstStyle/>
           <a:p>
-            <a:r>
-              <a:rPr lang="en-US" dirty="0" err="1" smtClean="0"/>
-              <a:t>Choretracker.com</a:t>
-            </a:r>
+            <a:pPr marL="0" indent="0" algn="ctr">
+              <a:buNone/>
+            </a:pPr>
             <a:r>
               <a:rPr lang="en-US" dirty="0" smtClean="0"/>
-              <a:t> is a website in which you can create groups or households that helps you track chores.</a:t>
-            </a:r>
-          </a:p>
-          <a:p>
+              <a:t>Roommates of shared households often have trouble keeping track of chores that need to be completed.</a:t>
+            </a:r>
+          </a:p>
+          <a:p>
+            <a:pPr marL="0" indent="0" algn="ctr">
+              <a:buNone/>
+            </a:pPr>
             <a:r>
               <a:rPr lang="en-US" dirty="0" smtClean="0"/>
-              <a:t>Users can report when someone does something that is detrimental (i.e. leaving dirty dishes in sink) to the cleanliness of the house/apartment or when someone does something to improve the cleanliness of the place (i.e. vacuuming/sweeping).</a:t>
+              <a:t>Roommates don’t do the chores that they are supposed to do.</a:t>
             </a:r>
             <a:endParaRPr lang="en-US" dirty="0"/>
           </a:p>
@@ -3406,13 +5249,20 @@
     </p:spTree>
     <p:extLst>
       <p:ext uri="{BB962C8B-B14F-4D97-AF65-F5344CB8AC3E}">
-        <p14:creationId xmlns:p14="http://schemas.microsoft.com/office/powerpoint/2010/main" val="494754609"/>
+        <p14:creationId xmlns:p14="http://schemas.microsoft.com/office/powerpoint/2010/main" val="3490066348"/>
       </p:ext>
     </p:extLst>
   </p:cSld>
   <p:clrMapOvr>
     <a:masterClrMapping/>
   </p:clrMapOvr>
+  <p:timing>
+    <p:tnLst>
+      <p:par>
+        <p:cTn id="1" dur="indefinite" restart="never" nodeType="tmRoot"/>
+      </p:par>
+    </p:tnLst>
+  </p:timing>
 </p:sld>
 </file>
 
@@ -3450,7 +5300,7 @@
           <a:p>
             <a:r>
               <a:rPr lang="en-US" dirty="0" smtClean="0"/>
-              <a:t>Audience</a:t>
+              <a:t>Description</a:t>
             </a:r>
             <a:endParaRPr lang="en-US" dirty="0"/>
           </a:p>
@@ -3466,28 +5316,153 @@
             <p:ph idx="1"/>
           </p:nvPr>
         </p:nvSpPr>
-        <p:spPr/>
-        <p:txBody>
-          <a:bodyPr/>
+        <p:spPr>
+          <a:xfrm>
+            <a:off x="2231136" y="2836452"/>
+            <a:ext cx="7729728" cy="1019556"/>
+          </a:xfrm>
+        </p:spPr>
+        <p:txBody>
+          <a:bodyPr>
+            <a:normAutofit/>
+          </a:bodyPr>
           <a:lstStyle/>
           <a:p>
-            <a:r>
-              <a:rPr lang="en-US" dirty="0"/>
-              <a:t>The audience or users of this website are roommates or household sharing members. It is aimed for people who share a household to track and reward or reprimand residences for maintaining the living area. </a:t>
-            </a:r>
+            <a:pPr marL="0" indent="0" algn="ctr">
+              <a:buNone/>
+            </a:pPr>
+            <a:r>
+              <a:rPr lang="en-US" sz="2000" dirty="0" smtClean="0"/>
+              <a:t>Choretracker.com is a website in </a:t>
+            </a:r>
+            <a:r>
+              <a:rPr lang="en-US" sz="2000" dirty="0" smtClean="0"/>
+              <a:t>which users can </a:t>
+            </a:r>
+            <a:r>
+              <a:rPr lang="en-US" sz="2000" dirty="0" smtClean="0"/>
+              <a:t>create groups or households </a:t>
+            </a:r>
+            <a:r>
+              <a:rPr lang="en-US" sz="2000" dirty="0" smtClean="0"/>
+              <a:t>to help </a:t>
+            </a:r>
+            <a:r>
+              <a:rPr lang="en-US" sz="2000" dirty="0" smtClean="0"/>
+              <a:t>track chores</a:t>
+            </a:r>
+            <a:r>
+              <a:rPr lang="en-US" sz="2000" dirty="0" smtClean="0"/>
+              <a:t>.</a:t>
+            </a:r>
+            <a:endParaRPr lang="en-US" sz="2000" dirty="0" smtClean="0"/>
           </a:p>
         </p:txBody>
       </p:sp>
     </p:spTree>
     <p:extLst>
       <p:ext uri="{BB962C8B-B14F-4D97-AF65-F5344CB8AC3E}">
-        <p14:creationId xmlns:p14="http://schemas.microsoft.com/office/powerpoint/2010/main" val="690209765"/>
+        <p14:creationId xmlns:p14="http://schemas.microsoft.com/office/powerpoint/2010/main" val="494754609"/>
       </p:ext>
     </p:extLst>
   </p:cSld>
   <p:clrMapOvr>
     <a:masterClrMapping/>
   </p:clrMapOvr>
+  <p:timing>
+    <p:tnLst>
+      <p:par>
+        <p:cTn id="1" dur="indefinite" restart="never" nodeType="tmRoot">
+          <p:childTnLst>
+            <p:seq concurrent="1" nextAc="seek">
+              <p:cTn id="2" dur="indefinite" nodeType="mainSeq">
+                <p:childTnLst>
+                  <p:par>
+                    <p:cTn id="3" fill="hold">
+                      <p:stCondLst>
+                        <p:cond delay="indefinite"/>
+                      </p:stCondLst>
+                      <p:childTnLst>
+                        <p:par>
+                          <p:cTn id="4" fill="hold">
+                            <p:stCondLst>
+                              <p:cond delay="0"/>
+                            </p:stCondLst>
+                            <p:childTnLst>
+                              <p:par>
+                                <p:cTn id="5" presetID="10" presetClass="entr" presetSubtype="0" fill="hold" grpId="0" nodeType="clickEffect">
+                                  <p:stCondLst>
+                                    <p:cond delay="0"/>
+                                  </p:stCondLst>
+                                  <p:childTnLst>
+                                    <p:set>
+                                      <p:cBhvr>
+                                        <p:cTn id="6" dur="1" fill="hold">
+                                          <p:stCondLst>
+                                            <p:cond delay="0"/>
+                                          </p:stCondLst>
+                                        </p:cTn>
+                                        <p:tgtEl>
+                                          <p:spTgt spid="3">
+                                            <p:txEl>
+                                              <p:pRg st="0" end="0"/>
+                                            </p:txEl>
+                                          </p:spTgt>
+                                        </p:tgtEl>
+                                        <p:attrNameLst>
+                                          <p:attrName>style.visibility</p:attrName>
+                                        </p:attrNameLst>
+                                      </p:cBhvr>
+                                      <p:to>
+                                        <p:strVal val="visible"/>
+                                      </p:to>
+                                    </p:set>
+                                    <p:animEffect transition="in" filter="fade">
+                                      <p:cBhvr>
+                                        <p:cTn id="7" dur="500"/>
+                                        <p:tgtEl>
+                                          <p:spTgt spid="3">
+                                            <p:txEl>
+                                              <p:pRg st="0" end="0"/>
+                                            </p:txEl>
+                                          </p:spTgt>
+                                        </p:tgtEl>
+                                      </p:cBhvr>
+                                    </p:animEffect>
+                                  </p:childTnLst>
+                                </p:cTn>
+                              </p:par>
+                            </p:childTnLst>
+                          </p:cTn>
+                        </p:par>
+                      </p:childTnLst>
+                    </p:cTn>
+                  </p:par>
+                </p:childTnLst>
+              </p:cTn>
+              <p:prevCondLst>
+                <p:cond evt="onPrev" delay="0">
+                  <p:tgtEl>
+                    <p:sldTgt/>
+                  </p:tgtEl>
+                </p:cond>
+              </p:prevCondLst>
+              <p:nextCondLst>
+                <p:cond evt="onNext" delay="0">
+                  <p:tgtEl>
+                    <p:sldTgt/>
+                  </p:tgtEl>
+                </p:cond>
+              </p:nextCondLst>
+            </p:seq>
+          </p:childTnLst>
+        </p:cTn>
+      </p:par>
+    </p:tnLst>
+    <p:bldLst>
+      <p:bldP spid="3" grpId="0" build="p"/>
+    </p:bldLst>
+  </p:timing>
 </p:sld>
 </file>
 
@@ -3525,7 +5500,7 @@
           <a:p>
             <a:r>
               <a:rPr lang="en-US" dirty="0" smtClean="0"/>
-              <a:t>Areas of Focus</a:t>
+              <a:t>features</a:t>
             </a:r>
             <a:endParaRPr lang="en-US" dirty="0"/>
           </a:p>
@@ -3541,48 +5516,915 @@
             <p:ph idx="1"/>
           </p:nvPr>
         </p:nvSpPr>
-        <p:spPr/>
+        <p:spPr>
+          <a:xfrm>
+            <a:off x="2086904" y="4374428"/>
+            <a:ext cx="1892290" cy="786643"/>
+          </a:xfrm>
+        </p:spPr>
         <p:txBody>
           <a:bodyPr/>
           <a:lstStyle/>
           <a:p>
+            <a:pPr marL="0" indent="0" algn="ctr">
+              <a:buNone/>
+            </a:pPr>
             <a:r>
               <a:rPr lang="en-US" dirty="0" smtClean="0"/>
-              <a:t>HTML/CSS </a:t>
-            </a:r>
-            <a:r>
-              <a:rPr lang="mr-IN" dirty="0" smtClean="0"/>
-              <a:t>–</a:t>
-            </a:r>
+              <a:t>Create household groups</a:t>
+            </a:r>
+            <a:endParaRPr lang="en-US" dirty="0"/>
+          </a:p>
+        </p:txBody>
+      </p:sp>
+      <p:sp>
+        <p:nvSpPr>
+          <p:cNvPr id="4" name="Content Placeholder 2"/>
+          <p:cNvSpPr txBox="1">
+            <a:spLocks/>
+          </p:cNvSpPr>
+          <p:nvPr/>
+        </p:nvSpPr>
+        <p:spPr>
+          <a:xfrm>
+            <a:off x="4131594" y="4374427"/>
+            <a:ext cx="1892290" cy="786643"/>
+          </a:xfrm>
+          <a:prstGeom prst="rect">
+            <a:avLst/>
+          </a:prstGeom>
+        </p:spPr>
+        <p:txBody>
+          <a:bodyPr vert="horz" lIns="91440" tIns="45720" rIns="91440" bIns="45720" rtlCol="0">
+            <a:normAutofit/>
+          </a:bodyPr>
+          <a:lstStyle>
+            <a:lvl1pPr marL="228600" indent="-228600" algn="l" defTabSz="914400" rtl="0" eaLnBrk="1" latinLnBrk="0" hangingPunct="1">
+              <a:lnSpc>
+                <a:spcPct val="100000"/>
+              </a:lnSpc>
+              <a:spcBef>
+                <a:spcPts val="1000"/>
+              </a:spcBef>
+              <a:buClr>
+                <a:schemeClr val="accent2"/>
+              </a:buClr>
+              <a:buFont typeface="Arial" panose="020B0604020202020204" pitchFamily="34" charset="0"/>
+              <a:buChar char="•"/>
+              <a:defRPr sz="1800" kern="1200">
+                <a:solidFill>
+                  <a:schemeClr val="tx1">
+                    <a:lumMod val="85000"/>
+                    <a:lumOff val="15000"/>
+                  </a:schemeClr>
+                </a:solidFill>
+                <a:latin typeface="+mn-lt"/>
+                <a:ea typeface="+mn-ea"/>
+                <a:cs typeface="+mn-cs"/>
+              </a:defRPr>
+            </a:lvl1pPr>
+            <a:lvl2pPr marL="457200" indent="-228600" algn="l" defTabSz="914400" rtl="0" eaLnBrk="1" latinLnBrk="0" hangingPunct="1">
+              <a:lnSpc>
+                <a:spcPct val="100000"/>
+              </a:lnSpc>
+              <a:spcBef>
+                <a:spcPts val="1000"/>
+              </a:spcBef>
+              <a:buClr>
+                <a:schemeClr val="accent2"/>
+              </a:buClr>
+              <a:buFont typeface="Arial" panose="020B0604020202020204" pitchFamily="34" charset="0"/>
+              <a:buChar char="•"/>
+              <a:defRPr sz="1600" kern="1200">
+                <a:solidFill>
+                  <a:schemeClr val="tx1">
+                    <a:lumMod val="85000"/>
+                    <a:lumOff val="15000"/>
+                  </a:schemeClr>
+                </a:solidFill>
+                <a:latin typeface="+mn-lt"/>
+                <a:ea typeface="+mn-ea"/>
+                <a:cs typeface="+mn-cs"/>
+              </a:defRPr>
+            </a:lvl2pPr>
+            <a:lvl3pPr marL="685800" indent="-228600" algn="l" defTabSz="914400" rtl="0" eaLnBrk="1" latinLnBrk="0" hangingPunct="1">
+              <a:lnSpc>
+                <a:spcPct val="100000"/>
+              </a:lnSpc>
+              <a:spcBef>
+                <a:spcPts val="1000"/>
+              </a:spcBef>
+              <a:buClr>
+                <a:schemeClr val="accent2"/>
+              </a:buClr>
+              <a:buFont typeface="Arial" panose="020B0604020202020204" pitchFamily="34" charset="0"/>
+              <a:buChar char="•"/>
+              <a:defRPr sz="1600" kern="1200">
+                <a:solidFill>
+                  <a:schemeClr val="tx1">
+                    <a:lumMod val="85000"/>
+                    <a:lumOff val="15000"/>
+                  </a:schemeClr>
+                </a:solidFill>
+                <a:latin typeface="+mn-lt"/>
+                <a:ea typeface="+mn-ea"/>
+                <a:cs typeface="+mn-cs"/>
+              </a:defRPr>
+            </a:lvl3pPr>
+            <a:lvl4pPr marL="914400" indent="-228600" algn="l" defTabSz="914400" rtl="0" eaLnBrk="1" latinLnBrk="0" hangingPunct="1">
+              <a:lnSpc>
+                <a:spcPct val="100000"/>
+              </a:lnSpc>
+              <a:spcBef>
+                <a:spcPts val="1000"/>
+              </a:spcBef>
+              <a:buClr>
+                <a:schemeClr val="accent2"/>
+              </a:buClr>
+              <a:buFont typeface="Arial" panose="020B0604020202020204" pitchFamily="34" charset="0"/>
+              <a:buChar char="•"/>
+              <a:defRPr sz="1600" kern="1200">
+                <a:solidFill>
+                  <a:schemeClr val="tx1">
+                    <a:lumMod val="85000"/>
+                    <a:lumOff val="15000"/>
+                  </a:schemeClr>
+                </a:solidFill>
+                <a:latin typeface="+mn-lt"/>
+                <a:ea typeface="+mn-ea"/>
+                <a:cs typeface="+mn-cs"/>
+              </a:defRPr>
+            </a:lvl4pPr>
+            <a:lvl5pPr marL="1143000" indent="-228600" algn="l" defTabSz="914400" rtl="0" eaLnBrk="1" latinLnBrk="0" hangingPunct="1">
+              <a:lnSpc>
+                <a:spcPct val="100000"/>
+              </a:lnSpc>
+              <a:spcBef>
+                <a:spcPts val="1000"/>
+              </a:spcBef>
+              <a:buClr>
+                <a:schemeClr val="accent2"/>
+              </a:buClr>
+              <a:buFont typeface="Arial" panose="020B0604020202020204" pitchFamily="34" charset="0"/>
+              <a:buChar char="•"/>
+              <a:defRPr sz="1600" kern="1200">
+                <a:solidFill>
+                  <a:schemeClr val="tx1">
+                    <a:lumMod val="85000"/>
+                    <a:lumOff val="15000"/>
+                  </a:schemeClr>
+                </a:solidFill>
+                <a:latin typeface="+mn-lt"/>
+                <a:ea typeface="+mn-ea"/>
+                <a:cs typeface="+mn-cs"/>
+              </a:defRPr>
+            </a:lvl5pPr>
+            <a:lvl6pPr marL="1312863" indent="-228600" algn="l" defTabSz="914400" rtl="0" eaLnBrk="1" latinLnBrk="0" hangingPunct="1">
+              <a:lnSpc>
+                <a:spcPct val="100000"/>
+              </a:lnSpc>
+              <a:spcBef>
+                <a:spcPts val="1000"/>
+              </a:spcBef>
+              <a:buClr>
+                <a:schemeClr val="accent2"/>
+              </a:buClr>
+              <a:buFont typeface="Arial" panose="020B0604020202020204" pitchFamily="34" charset="0"/>
+              <a:buChar char="•"/>
+              <a:defRPr sz="1600" kern="1200">
+                <a:solidFill>
+                  <a:schemeClr val="tx1"/>
+                </a:solidFill>
+                <a:latin typeface="+mn-lt"/>
+                <a:ea typeface="+mn-ea"/>
+                <a:cs typeface="+mn-cs"/>
+              </a:defRPr>
+            </a:lvl6pPr>
+            <a:lvl7pPr marL="1484313" indent="-228600" algn="l" defTabSz="914400" rtl="0" eaLnBrk="1" latinLnBrk="0" hangingPunct="1">
+              <a:lnSpc>
+                <a:spcPct val="100000"/>
+              </a:lnSpc>
+              <a:spcBef>
+                <a:spcPts val="1000"/>
+              </a:spcBef>
+              <a:buClr>
+                <a:schemeClr val="accent2"/>
+              </a:buClr>
+              <a:buFont typeface="Arial" panose="020B0604020202020204" pitchFamily="34" charset="0"/>
+              <a:buChar char="•"/>
+              <a:defRPr sz="1600" kern="1200">
+                <a:solidFill>
+                  <a:schemeClr val="tx1"/>
+                </a:solidFill>
+                <a:latin typeface="+mn-lt"/>
+                <a:ea typeface="+mn-ea"/>
+                <a:cs typeface="+mn-cs"/>
+              </a:defRPr>
+            </a:lvl7pPr>
+            <a:lvl8pPr marL="1657350" indent="-228600" algn="l" defTabSz="914400" rtl="0" eaLnBrk="1" latinLnBrk="0" hangingPunct="1">
+              <a:lnSpc>
+                <a:spcPct val="100000"/>
+              </a:lnSpc>
+              <a:spcBef>
+                <a:spcPts val="1000"/>
+              </a:spcBef>
+              <a:buClr>
+                <a:schemeClr val="accent2"/>
+              </a:buClr>
+              <a:buFont typeface="Arial" panose="020B0604020202020204" pitchFamily="34" charset="0"/>
+              <a:buChar char="•"/>
+              <a:defRPr sz="1600" kern="1200" baseline="0">
+                <a:solidFill>
+                  <a:schemeClr val="tx1"/>
+                </a:solidFill>
+                <a:latin typeface="+mn-lt"/>
+                <a:ea typeface="+mn-ea"/>
+                <a:cs typeface="+mn-cs"/>
+              </a:defRPr>
+            </a:lvl8pPr>
+            <a:lvl9pPr marL="1882775" indent="-228600" algn="l" defTabSz="914400" rtl="0" eaLnBrk="1" latinLnBrk="0" hangingPunct="1">
+              <a:lnSpc>
+                <a:spcPct val="100000"/>
+              </a:lnSpc>
+              <a:spcBef>
+                <a:spcPts val="1000"/>
+              </a:spcBef>
+              <a:buClr>
+                <a:schemeClr val="accent2"/>
+              </a:buClr>
+              <a:buFont typeface="Arial" panose="020B0604020202020204" pitchFamily="34" charset="0"/>
+              <a:buChar char="•"/>
+              <a:defRPr sz="1600" kern="1200" baseline="0">
+                <a:solidFill>
+                  <a:schemeClr val="tx1"/>
+                </a:solidFill>
+                <a:latin typeface="+mn-lt"/>
+                <a:ea typeface="+mn-ea"/>
+                <a:cs typeface="+mn-cs"/>
+              </a:defRPr>
+            </a:lvl9pPr>
+          </a:lstStyle>
+          <a:p>
+            <a:pPr marL="0" indent="0" algn="ctr">
+              <a:buFont typeface="Arial" panose="020B0604020202020204" pitchFamily="34" charset="0"/>
+              <a:buNone/>
+            </a:pPr>
             <a:r>
               <a:rPr lang="en-US" dirty="0" smtClean="0"/>
-              <a:t> design and layout of the website</a:t>
-            </a:r>
-          </a:p>
-          <a:p>
+              <a:t>Add chores to the household</a:t>
+            </a:r>
             <a:endParaRPr lang="en-US" dirty="0"/>
           </a:p>
-          <a:p>
+        </p:txBody>
+      </p:sp>
+      <p:sp>
+        <p:nvSpPr>
+          <p:cNvPr id="5" name="Content Placeholder 2"/>
+          <p:cNvSpPr txBox="1">
+            <a:spLocks/>
+          </p:cNvSpPr>
+          <p:nvPr/>
+        </p:nvSpPr>
+        <p:spPr>
+          <a:xfrm>
+            <a:off x="6176284" y="4378539"/>
+            <a:ext cx="1892290" cy="786643"/>
+          </a:xfrm>
+          <a:prstGeom prst="rect">
+            <a:avLst/>
+          </a:prstGeom>
+        </p:spPr>
+        <p:txBody>
+          <a:bodyPr vert="horz" lIns="91440" tIns="45720" rIns="91440" bIns="45720" rtlCol="0">
+            <a:normAutofit fontScale="92500" lnSpcReduction="20000"/>
+          </a:bodyPr>
+          <a:lstStyle>
+            <a:lvl1pPr marL="228600" indent="-228600" algn="l" defTabSz="914400" rtl="0" eaLnBrk="1" latinLnBrk="0" hangingPunct="1">
+              <a:lnSpc>
+                <a:spcPct val="100000"/>
+              </a:lnSpc>
+              <a:spcBef>
+                <a:spcPts val="1000"/>
+              </a:spcBef>
+              <a:buClr>
+                <a:schemeClr val="accent2"/>
+              </a:buClr>
+              <a:buFont typeface="Arial" panose="020B0604020202020204" pitchFamily="34" charset="0"/>
+              <a:buChar char="•"/>
+              <a:defRPr sz="1800" kern="1200">
+                <a:solidFill>
+                  <a:schemeClr val="tx1">
+                    <a:lumMod val="85000"/>
+                    <a:lumOff val="15000"/>
+                  </a:schemeClr>
+                </a:solidFill>
+                <a:latin typeface="+mn-lt"/>
+                <a:ea typeface="+mn-ea"/>
+                <a:cs typeface="+mn-cs"/>
+              </a:defRPr>
+            </a:lvl1pPr>
+            <a:lvl2pPr marL="457200" indent="-228600" algn="l" defTabSz="914400" rtl="0" eaLnBrk="1" latinLnBrk="0" hangingPunct="1">
+              <a:lnSpc>
+                <a:spcPct val="100000"/>
+              </a:lnSpc>
+              <a:spcBef>
+                <a:spcPts val="1000"/>
+              </a:spcBef>
+              <a:buClr>
+                <a:schemeClr val="accent2"/>
+              </a:buClr>
+              <a:buFont typeface="Arial" panose="020B0604020202020204" pitchFamily="34" charset="0"/>
+              <a:buChar char="•"/>
+              <a:defRPr sz="1600" kern="1200">
+                <a:solidFill>
+                  <a:schemeClr val="tx1">
+                    <a:lumMod val="85000"/>
+                    <a:lumOff val="15000"/>
+                  </a:schemeClr>
+                </a:solidFill>
+                <a:latin typeface="+mn-lt"/>
+                <a:ea typeface="+mn-ea"/>
+                <a:cs typeface="+mn-cs"/>
+              </a:defRPr>
+            </a:lvl2pPr>
+            <a:lvl3pPr marL="685800" indent="-228600" algn="l" defTabSz="914400" rtl="0" eaLnBrk="1" latinLnBrk="0" hangingPunct="1">
+              <a:lnSpc>
+                <a:spcPct val="100000"/>
+              </a:lnSpc>
+              <a:spcBef>
+                <a:spcPts val="1000"/>
+              </a:spcBef>
+              <a:buClr>
+                <a:schemeClr val="accent2"/>
+              </a:buClr>
+              <a:buFont typeface="Arial" panose="020B0604020202020204" pitchFamily="34" charset="0"/>
+              <a:buChar char="•"/>
+              <a:defRPr sz="1600" kern="1200">
+                <a:solidFill>
+                  <a:schemeClr val="tx1">
+                    <a:lumMod val="85000"/>
+                    <a:lumOff val="15000"/>
+                  </a:schemeClr>
+                </a:solidFill>
+                <a:latin typeface="+mn-lt"/>
+                <a:ea typeface="+mn-ea"/>
+                <a:cs typeface="+mn-cs"/>
+              </a:defRPr>
+            </a:lvl3pPr>
+            <a:lvl4pPr marL="914400" indent="-228600" algn="l" defTabSz="914400" rtl="0" eaLnBrk="1" latinLnBrk="0" hangingPunct="1">
+              <a:lnSpc>
+                <a:spcPct val="100000"/>
+              </a:lnSpc>
+              <a:spcBef>
+                <a:spcPts val="1000"/>
+              </a:spcBef>
+              <a:buClr>
+                <a:schemeClr val="accent2"/>
+              </a:buClr>
+              <a:buFont typeface="Arial" panose="020B0604020202020204" pitchFamily="34" charset="0"/>
+              <a:buChar char="•"/>
+              <a:defRPr sz="1600" kern="1200">
+                <a:solidFill>
+                  <a:schemeClr val="tx1">
+                    <a:lumMod val="85000"/>
+                    <a:lumOff val="15000"/>
+                  </a:schemeClr>
+                </a:solidFill>
+                <a:latin typeface="+mn-lt"/>
+                <a:ea typeface="+mn-ea"/>
+                <a:cs typeface="+mn-cs"/>
+              </a:defRPr>
+            </a:lvl4pPr>
+            <a:lvl5pPr marL="1143000" indent="-228600" algn="l" defTabSz="914400" rtl="0" eaLnBrk="1" latinLnBrk="0" hangingPunct="1">
+              <a:lnSpc>
+                <a:spcPct val="100000"/>
+              </a:lnSpc>
+              <a:spcBef>
+                <a:spcPts val="1000"/>
+              </a:spcBef>
+              <a:buClr>
+                <a:schemeClr val="accent2"/>
+              </a:buClr>
+              <a:buFont typeface="Arial" panose="020B0604020202020204" pitchFamily="34" charset="0"/>
+              <a:buChar char="•"/>
+              <a:defRPr sz="1600" kern="1200">
+                <a:solidFill>
+                  <a:schemeClr val="tx1">
+                    <a:lumMod val="85000"/>
+                    <a:lumOff val="15000"/>
+                  </a:schemeClr>
+                </a:solidFill>
+                <a:latin typeface="+mn-lt"/>
+                <a:ea typeface="+mn-ea"/>
+                <a:cs typeface="+mn-cs"/>
+              </a:defRPr>
+            </a:lvl5pPr>
+            <a:lvl6pPr marL="1312863" indent="-228600" algn="l" defTabSz="914400" rtl="0" eaLnBrk="1" latinLnBrk="0" hangingPunct="1">
+              <a:lnSpc>
+                <a:spcPct val="100000"/>
+              </a:lnSpc>
+              <a:spcBef>
+                <a:spcPts val="1000"/>
+              </a:spcBef>
+              <a:buClr>
+                <a:schemeClr val="accent2"/>
+              </a:buClr>
+              <a:buFont typeface="Arial" panose="020B0604020202020204" pitchFamily="34" charset="0"/>
+              <a:buChar char="•"/>
+              <a:defRPr sz="1600" kern="1200">
+                <a:solidFill>
+                  <a:schemeClr val="tx1"/>
+                </a:solidFill>
+                <a:latin typeface="+mn-lt"/>
+                <a:ea typeface="+mn-ea"/>
+                <a:cs typeface="+mn-cs"/>
+              </a:defRPr>
+            </a:lvl6pPr>
+            <a:lvl7pPr marL="1484313" indent="-228600" algn="l" defTabSz="914400" rtl="0" eaLnBrk="1" latinLnBrk="0" hangingPunct="1">
+              <a:lnSpc>
+                <a:spcPct val="100000"/>
+              </a:lnSpc>
+              <a:spcBef>
+                <a:spcPts val="1000"/>
+              </a:spcBef>
+              <a:buClr>
+                <a:schemeClr val="accent2"/>
+              </a:buClr>
+              <a:buFont typeface="Arial" panose="020B0604020202020204" pitchFamily="34" charset="0"/>
+              <a:buChar char="•"/>
+              <a:defRPr sz="1600" kern="1200">
+                <a:solidFill>
+                  <a:schemeClr val="tx1"/>
+                </a:solidFill>
+                <a:latin typeface="+mn-lt"/>
+                <a:ea typeface="+mn-ea"/>
+                <a:cs typeface="+mn-cs"/>
+              </a:defRPr>
+            </a:lvl7pPr>
+            <a:lvl8pPr marL="1657350" indent="-228600" algn="l" defTabSz="914400" rtl="0" eaLnBrk="1" latinLnBrk="0" hangingPunct="1">
+              <a:lnSpc>
+                <a:spcPct val="100000"/>
+              </a:lnSpc>
+              <a:spcBef>
+                <a:spcPts val="1000"/>
+              </a:spcBef>
+              <a:buClr>
+                <a:schemeClr val="accent2"/>
+              </a:buClr>
+              <a:buFont typeface="Arial" panose="020B0604020202020204" pitchFamily="34" charset="0"/>
+              <a:buChar char="•"/>
+              <a:defRPr sz="1600" kern="1200" baseline="0">
+                <a:solidFill>
+                  <a:schemeClr val="tx1"/>
+                </a:solidFill>
+                <a:latin typeface="+mn-lt"/>
+                <a:ea typeface="+mn-ea"/>
+                <a:cs typeface="+mn-cs"/>
+              </a:defRPr>
+            </a:lvl8pPr>
+            <a:lvl9pPr marL="1882775" indent="-228600" algn="l" defTabSz="914400" rtl="0" eaLnBrk="1" latinLnBrk="0" hangingPunct="1">
+              <a:lnSpc>
+                <a:spcPct val="100000"/>
+              </a:lnSpc>
+              <a:spcBef>
+                <a:spcPts val="1000"/>
+              </a:spcBef>
+              <a:buClr>
+                <a:schemeClr val="accent2"/>
+              </a:buClr>
+              <a:buFont typeface="Arial" panose="020B0604020202020204" pitchFamily="34" charset="0"/>
+              <a:buChar char="•"/>
+              <a:defRPr sz="1600" kern="1200" baseline="0">
+                <a:solidFill>
+                  <a:schemeClr val="tx1"/>
+                </a:solidFill>
+                <a:latin typeface="+mn-lt"/>
+                <a:ea typeface="+mn-ea"/>
+                <a:cs typeface="+mn-cs"/>
+              </a:defRPr>
+            </a:lvl9pPr>
+          </a:lstStyle>
+          <a:p>
+            <a:pPr marL="0" indent="0" algn="ctr">
+              <a:buFont typeface="Arial" panose="020B0604020202020204" pitchFamily="34" charset="0"/>
+              <a:buNone/>
+            </a:pPr>
             <a:r>
               <a:rPr lang="en-US" dirty="0" smtClean="0"/>
-              <a:t>MySQL Database PULL/PUSH </a:t>
-            </a:r>
-            <a:r>
-              <a:rPr lang="mr-IN" dirty="0" smtClean="0"/>
-              <a:t>–</a:t>
-            </a:r>
+              <a:t>Commend or Reprimand members</a:t>
+            </a:r>
+            <a:endParaRPr lang="en-US" dirty="0"/>
+          </a:p>
+        </p:txBody>
+      </p:sp>
+      <p:sp>
+        <p:nvSpPr>
+          <p:cNvPr id="6" name="Content Placeholder 2"/>
+          <p:cNvSpPr txBox="1">
+            <a:spLocks/>
+          </p:cNvSpPr>
+          <p:nvPr/>
+        </p:nvSpPr>
+        <p:spPr>
+          <a:xfrm>
+            <a:off x="8068574" y="4378539"/>
+            <a:ext cx="1892290" cy="786643"/>
+          </a:xfrm>
+          <a:prstGeom prst="rect">
+            <a:avLst/>
+          </a:prstGeom>
+        </p:spPr>
+        <p:txBody>
+          <a:bodyPr vert="horz" lIns="91440" tIns="45720" rIns="91440" bIns="45720" rtlCol="0">
+            <a:normAutofit/>
+          </a:bodyPr>
+          <a:lstStyle>
+            <a:lvl1pPr marL="228600" indent="-228600" algn="l" defTabSz="914400" rtl="0" eaLnBrk="1" latinLnBrk="0" hangingPunct="1">
+              <a:lnSpc>
+                <a:spcPct val="100000"/>
+              </a:lnSpc>
+              <a:spcBef>
+                <a:spcPts val="1000"/>
+              </a:spcBef>
+              <a:buClr>
+                <a:schemeClr val="accent2"/>
+              </a:buClr>
+              <a:buFont typeface="Arial" panose="020B0604020202020204" pitchFamily="34" charset="0"/>
+              <a:buChar char="•"/>
+              <a:defRPr sz="1800" kern="1200">
+                <a:solidFill>
+                  <a:schemeClr val="tx1">
+                    <a:lumMod val="85000"/>
+                    <a:lumOff val="15000"/>
+                  </a:schemeClr>
+                </a:solidFill>
+                <a:latin typeface="+mn-lt"/>
+                <a:ea typeface="+mn-ea"/>
+                <a:cs typeface="+mn-cs"/>
+              </a:defRPr>
+            </a:lvl1pPr>
+            <a:lvl2pPr marL="457200" indent="-228600" algn="l" defTabSz="914400" rtl="0" eaLnBrk="1" latinLnBrk="0" hangingPunct="1">
+              <a:lnSpc>
+                <a:spcPct val="100000"/>
+              </a:lnSpc>
+              <a:spcBef>
+                <a:spcPts val="1000"/>
+              </a:spcBef>
+              <a:buClr>
+                <a:schemeClr val="accent2"/>
+              </a:buClr>
+              <a:buFont typeface="Arial" panose="020B0604020202020204" pitchFamily="34" charset="0"/>
+              <a:buChar char="•"/>
+              <a:defRPr sz="1600" kern="1200">
+                <a:solidFill>
+                  <a:schemeClr val="tx1">
+                    <a:lumMod val="85000"/>
+                    <a:lumOff val="15000"/>
+                  </a:schemeClr>
+                </a:solidFill>
+                <a:latin typeface="+mn-lt"/>
+                <a:ea typeface="+mn-ea"/>
+                <a:cs typeface="+mn-cs"/>
+              </a:defRPr>
+            </a:lvl2pPr>
+            <a:lvl3pPr marL="685800" indent="-228600" algn="l" defTabSz="914400" rtl="0" eaLnBrk="1" latinLnBrk="0" hangingPunct="1">
+              <a:lnSpc>
+                <a:spcPct val="100000"/>
+              </a:lnSpc>
+              <a:spcBef>
+                <a:spcPts val="1000"/>
+              </a:spcBef>
+              <a:buClr>
+                <a:schemeClr val="accent2"/>
+              </a:buClr>
+              <a:buFont typeface="Arial" panose="020B0604020202020204" pitchFamily="34" charset="0"/>
+              <a:buChar char="•"/>
+              <a:defRPr sz="1600" kern="1200">
+                <a:solidFill>
+                  <a:schemeClr val="tx1">
+                    <a:lumMod val="85000"/>
+                    <a:lumOff val="15000"/>
+                  </a:schemeClr>
+                </a:solidFill>
+                <a:latin typeface="+mn-lt"/>
+                <a:ea typeface="+mn-ea"/>
+                <a:cs typeface="+mn-cs"/>
+              </a:defRPr>
+            </a:lvl3pPr>
+            <a:lvl4pPr marL="914400" indent="-228600" algn="l" defTabSz="914400" rtl="0" eaLnBrk="1" latinLnBrk="0" hangingPunct="1">
+              <a:lnSpc>
+                <a:spcPct val="100000"/>
+              </a:lnSpc>
+              <a:spcBef>
+                <a:spcPts val="1000"/>
+              </a:spcBef>
+              <a:buClr>
+                <a:schemeClr val="accent2"/>
+              </a:buClr>
+              <a:buFont typeface="Arial" panose="020B0604020202020204" pitchFamily="34" charset="0"/>
+              <a:buChar char="•"/>
+              <a:defRPr sz="1600" kern="1200">
+                <a:solidFill>
+                  <a:schemeClr val="tx1">
+                    <a:lumMod val="85000"/>
+                    <a:lumOff val="15000"/>
+                  </a:schemeClr>
+                </a:solidFill>
+                <a:latin typeface="+mn-lt"/>
+                <a:ea typeface="+mn-ea"/>
+                <a:cs typeface="+mn-cs"/>
+              </a:defRPr>
+            </a:lvl4pPr>
+            <a:lvl5pPr marL="1143000" indent="-228600" algn="l" defTabSz="914400" rtl="0" eaLnBrk="1" latinLnBrk="0" hangingPunct="1">
+              <a:lnSpc>
+                <a:spcPct val="100000"/>
+              </a:lnSpc>
+              <a:spcBef>
+                <a:spcPts val="1000"/>
+              </a:spcBef>
+              <a:buClr>
+                <a:schemeClr val="accent2"/>
+              </a:buClr>
+              <a:buFont typeface="Arial" panose="020B0604020202020204" pitchFamily="34" charset="0"/>
+              <a:buChar char="•"/>
+              <a:defRPr sz="1600" kern="1200">
+                <a:solidFill>
+                  <a:schemeClr val="tx1">
+                    <a:lumMod val="85000"/>
+                    <a:lumOff val="15000"/>
+                  </a:schemeClr>
+                </a:solidFill>
+                <a:latin typeface="+mn-lt"/>
+                <a:ea typeface="+mn-ea"/>
+                <a:cs typeface="+mn-cs"/>
+              </a:defRPr>
+            </a:lvl5pPr>
+            <a:lvl6pPr marL="1312863" indent="-228600" algn="l" defTabSz="914400" rtl="0" eaLnBrk="1" latinLnBrk="0" hangingPunct="1">
+              <a:lnSpc>
+                <a:spcPct val="100000"/>
+              </a:lnSpc>
+              <a:spcBef>
+                <a:spcPts val="1000"/>
+              </a:spcBef>
+              <a:buClr>
+                <a:schemeClr val="accent2"/>
+              </a:buClr>
+              <a:buFont typeface="Arial" panose="020B0604020202020204" pitchFamily="34" charset="0"/>
+              <a:buChar char="•"/>
+              <a:defRPr sz="1600" kern="1200">
+                <a:solidFill>
+                  <a:schemeClr val="tx1"/>
+                </a:solidFill>
+                <a:latin typeface="+mn-lt"/>
+                <a:ea typeface="+mn-ea"/>
+                <a:cs typeface="+mn-cs"/>
+              </a:defRPr>
+            </a:lvl6pPr>
+            <a:lvl7pPr marL="1484313" indent="-228600" algn="l" defTabSz="914400" rtl="0" eaLnBrk="1" latinLnBrk="0" hangingPunct="1">
+              <a:lnSpc>
+                <a:spcPct val="100000"/>
+              </a:lnSpc>
+              <a:spcBef>
+                <a:spcPts val="1000"/>
+              </a:spcBef>
+              <a:buClr>
+                <a:schemeClr val="accent2"/>
+              </a:buClr>
+              <a:buFont typeface="Arial" panose="020B0604020202020204" pitchFamily="34" charset="0"/>
+              <a:buChar char="•"/>
+              <a:defRPr sz="1600" kern="1200">
+                <a:solidFill>
+                  <a:schemeClr val="tx1"/>
+                </a:solidFill>
+                <a:latin typeface="+mn-lt"/>
+                <a:ea typeface="+mn-ea"/>
+                <a:cs typeface="+mn-cs"/>
+              </a:defRPr>
+            </a:lvl7pPr>
+            <a:lvl8pPr marL="1657350" indent="-228600" algn="l" defTabSz="914400" rtl="0" eaLnBrk="1" latinLnBrk="0" hangingPunct="1">
+              <a:lnSpc>
+                <a:spcPct val="100000"/>
+              </a:lnSpc>
+              <a:spcBef>
+                <a:spcPts val="1000"/>
+              </a:spcBef>
+              <a:buClr>
+                <a:schemeClr val="accent2"/>
+              </a:buClr>
+              <a:buFont typeface="Arial" panose="020B0604020202020204" pitchFamily="34" charset="0"/>
+              <a:buChar char="•"/>
+              <a:defRPr sz="1600" kern="1200" baseline="0">
+                <a:solidFill>
+                  <a:schemeClr val="tx1"/>
+                </a:solidFill>
+                <a:latin typeface="+mn-lt"/>
+                <a:ea typeface="+mn-ea"/>
+                <a:cs typeface="+mn-cs"/>
+              </a:defRPr>
+            </a:lvl8pPr>
+            <a:lvl9pPr marL="1882775" indent="-228600" algn="l" defTabSz="914400" rtl="0" eaLnBrk="1" latinLnBrk="0" hangingPunct="1">
+              <a:lnSpc>
+                <a:spcPct val="100000"/>
+              </a:lnSpc>
+              <a:spcBef>
+                <a:spcPts val="1000"/>
+              </a:spcBef>
+              <a:buClr>
+                <a:schemeClr val="accent2"/>
+              </a:buClr>
+              <a:buFont typeface="Arial" panose="020B0604020202020204" pitchFamily="34" charset="0"/>
+              <a:buChar char="•"/>
+              <a:defRPr sz="1600" kern="1200" baseline="0">
+                <a:solidFill>
+                  <a:schemeClr val="tx1"/>
+                </a:solidFill>
+                <a:latin typeface="+mn-lt"/>
+                <a:ea typeface="+mn-ea"/>
+                <a:cs typeface="+mn-cs"/>
+              </a:defRPr>
+            </a:lvl9pPr>
+          </a:lstStyle>
+          <a:p>
+            <a:pPr marL="0" indent="0" algn="ctr">
+              <a:buFont typeface="Arial" panose="020B0604020202020204" pitchFamily="34" charset="0"/>
+              <a:buNone/>
+            </a:pPr>
             <a:r>
               <a:rPr lang="en-US" dirty="0" smtClean="0"/>
-              <a:t> Read and write information regarding roommates chores as well as keeping track of session information.</a:t>
+              <a:t>Track member scores</a:t>
             </a:r>
             <a:endParaRPr lang="en-US" dirty="0"/>
           </a:p>
         </p:txBody>
       </p:sp>
+      <p:pic>
+        <p:nvPicPr>
+          <p:cNvPr id="1026" name="Picture 2" descr="Image result for household icon"/>
+          <p:cNvPicPr>
+            <a:picLocks noChangeAspect="1" noChangeArrowheads="1"/>
+          </p:cNvPicPr>
+          <p:nvPr/>
+        </p:nvPicPr>
+        <p:blipFill>
+          <a:blip r:embed="rId2">
+            <a:extLst>
+              <a:ext uri="{28A0092B-C50C-407E-A947-70E740481C1C}">
+                <a14:useLocalDpi xmlns:a14="http://schemas.microsoft.com/office/drawing/2010/main" val="0"/>
+              </a:ext>
+            </a:extLst>
+          </a:blip>
+          <a:srcRect/>
+          <a:stretch>
+            <a:fillRect/>
+          </a:stretch>
+        </p:blipFill>
+        <p:spPr bwMode="auto">
+          <a:xfrm>
+            <a:off x="2325453" y="2959235"/>
+            <a:ext cx="1415192" cy="1415192"/>
+          </a:xfrm>
+          <a:prstGeom prst="rect">
+            <a:avLst/>
+          </a:prstGeom>
+          <a:noFill/>
+          <a:extLst>
+            <a:ext uri="{909E8E84-426E-40DD-AFC4-6F175D3DCCD1}">
+              <a14:hiddenFill xmlns:a14="http://schemas.microsoft.com/office/drawing/2010/main">
+                <a:solidFill>
+                  <a:srgbClr val="FFFFFF"/>
+                </a:solidFill>
+              </a14:hiddenFill>
+            </a:ext>
+          </a:extLst>
+        </p:spPr>
+      </p:pic>
+      <p:pic>
+        <p:nvPicPr>
+          <p:cNvPr id="1030" name="Picture 6" descr="Image result for chores icon"/>
+          <p:cNvPicPr>
+            <a:picLocks noChangeAspect="1" noChangeArrowheads="1"/>
+          </p:cNvPicPr>
+          <p:nvPr/>
+        </p:nvPicPr>
+        <p:blipFill>
+          <a:blip r:embed="rId3">
+            <a:extLst>
+              <a:ext uri="{28A0092B-C50C-407E-A947-70E740481C1C}">
+                <a14:useLocalDpi xmlns:a14="http://schemas.microsoft.com/office/drawing/2010/main" val="0"/>
+              </a:ext>
+            </a:extLst>
+          </a:blip>
+          <a:srcRect/>
+          <a:stretch>
+            <a:fillRect/>
+          </a:stretch>
+        </p:blipFill>
+        <p:spPr bwMode="auto">
+          <a:xfrm>
+            <a:off x="4694506" y="2983784"/>
+            <a:ext cx="920512" cy="1366093"/>
+          </a:xfrm>
+          <a:prstGeom prst="rect">
+            <a:avLst/>
+          </a:prstGeom>
+          <a:noFill/>
+          <a:extLst>
+            <a:ext uri="{909E8E84-426E-40DD-AFC4-6F175D3DCCD1}">
+              <a14:hiddenFill xmlns:a14="http://schemas.microsoft.com/office/drawing/2010/main">
+                <a:solidFill>
+                  <a:srgbClr val="FFFFFF"/>
+                </a:solidFill>
+              </a14:hiddenFill>
+            </a:ext>
+          </a:extLst>
+        </p:spPr>
+      </p:pic>
+      <p:pic>
+        <p:nvPicPr>
+          <p:cNvPr id="1032" name="Picture 8" descr="Image result for check icon"/>
+          <p:cNvPicPr>
+            <a:picLocks noChangeAspect="1" noChangeArrowheads="1"/>
+          </p:cNvPicPr>
+          <p:nvPr/>
+        </p:nvPicPr>
+        <p:blipFill>
+          <a:blip r:embed="rId4">
+            <a:extLst>
+              <a:ext uri="{28A0092B-C50C-407E-A947-70E740481C1C}">
+                <a14:useLocalDpi xmlns:a14="http://schemas.microsoft.com/office/drawing/2010/main" val="0"/>
+              </a:ext>
+            </a:extLst>
+          </a:blip>
+          <a:srcRect/>
+          <a:stretch>
+            <a:fillRect/>
+          </a:stretch>
+        </p:blipFill>
+        <p:spPr bwMode="auto">
+          <a:xfrm>
+            <a:off x="6350515" y="2834710"/>
+            <a:ext cx="1543829" cy="1543829"/>
+          </a:xfrm>
+          <a:prstGeom prst="rect">
+            <a:avLst/>
+          </a:prstGeom>
+          <a:noFill/>
+          <a:extLst>
+            <a:ext uri="{909E8E84-426E-40DD-AFC4-6F175D3DCCD1}">
+              <a14:hiddenFill xmlns:a14="http://schemas.microsoft.com/office/drawing/2010/main">
+                <a:solidFill>
+                  <a:srgbClr val="FFFFFF"/>
+                </a:solidFill>
+              </a14:hiddenFill>
+            </a:ext>
+          </a:extLst>
+        </p:spPr>
+      </p:pic>
+      <p:pic>
+        <p:nvPicPr>
+          <p:cNvPr id="1034" name="Picture 10" descr="Image result for profile icon"/>
+          <p:cNvPicPr>
+            <a:picLocks noChangeAspect="1" noChangeArrowheads="1"/>
+          </p:cNvPicPr>
+          <p:nvPr/>
+        </p:nvPicPr>
+        <p:blipFill>
+          <a:blip r:embed="rId5">
+            <a:extLst>
+              <a:ext uri="{28A0092B-C50C-407E-A947-70E740481C1C}">
+                <a14:useLocalDpi xmlns:a14="http://schemas.microsoft.com/office/drawing/2010/main" val="0"/>
+              </a:ext>
+            </a:extLst>
+          </a:blip>
+          <a:srcRect/>
+          <a:stretch>
+            <a:fillRect/>
+          </a:stretch>
+        </p:blipFill>
+        <p:spPr bwMode="auto">
+          <a:xfrm>
+            <a:off x="8287639" y="2834710"/>
+            <a:ext cx="1539717" cy="1539717"/>
+          </a:xfrm>
+          <a:prstGeom prst="rect">
+            <a:avLst/>
+          </a:prstGeom>
+          <a:noFill/>
+          <a:extLst>
+            <a:ext uri="{909E8E84-426E-40DD-AFC4-6F175D3DCCD1}">
+              <a14:hiddenFill xmlns:a14="http://schemas.microsoft.com/office/drawing/2010/main">
+                <a:solidFill>
+                  <a:srgbClr val="FFFFFF"/>
+                </a:solidFill>
+              </a14:hiddenFill>
+            </a:ext>
+          </a:extLst>
+        </p:spPr>
+      </p:pic>
     </p:spTree>
     <p:extLst>
       <p:ext uri="{BB962C8B-B14F-4D97-AF65-F5344CB8AC3E}">
-        <p14:creationId xmlns:p14="http://schemas.microsoft.com/office/powerpoint/2010/main" val="492810822"/>
+        <p14:creationId xmlns:p14="http://schemas.microsoft.com/office/powerpoint/2010/main" val="907380290"/>
       </p:ext>
     </p:extLst>
   </p:cSld>
@@ -3592,9 +6434,398 @@
   <p:timing>
     <p:tnLst>
       <p:par>
-        <p:cTn id="1" dur="indefinite" restart="never" nodeType="tmRoot"/>
+        <p:cTn id="1" dur="indefinite" restart="never" nodeType="tmRoot">
+          <p:childTnLst>
+            <p:seq concurrent="1" nextAc="seek">
+              <p:cTn id="2" dur="indefinite" nodeType="mainSeq">
+                <p:childTnLst>
+                  <p:par>
+                    <p:cTn id="3" fill="hold">
+                      <p:stCondLst>
+                        <p:cond delay="indefinite"/>
+                      </p:stCondLst>
+                      <p:childTnLst>
+                        <p:par>
+                          <p:cTn id="4" fill="hold">
+                            <p:stCondLst>
+                              <p:cond delay="0"/>
+                            </p:stCondLst>
+                            <p:childTnLst>
+                              <p:par>
+                                <p:cTn id="5" presetID="10" presetClass="entr" presetSubtype="0" fill="hold" nodeType="clickEffect">
+                                  <p:stCondLst>
+                                    <p:cond delay="0"/>
+                                  </p:stCondLst>
+                                  <p:childTnLst>
+                                    <p:set>
+                                      <p:cBhvr>
+                                        <p:cTn id="6" dur="1" fill="hold">
+                                          <p:stCondLst>
+                                            <p:cond delay="0"/>
+                                          </p:stCondLst>
+                                        </p:cTn>
+                                        <p:tgtEl>
+                                          <p:spTgt spid="1026"/>
+                                        </p:tgtEl>
+                                        <p:attrNameLst>
+                                          <p:attrName>style.visibility</p:attrName>
+                                        </p:attrNameLst>
+                                      </p:cBhvr>
+                                      <p:to>
+                                        <p:strVal val="visible"/>
+                                      </p:to>
+                                    </p:set>
+                                    <p:animEffect transition="in" filter="fade">
+                                      <p:cBhvr>
+                                        <p:cTn id="7" dur="500"/>
+                                        <p:tgtEl>
+                                          <p:spTgt spid="1026"/>
+                                        </p:tgtEl>
+                                      </p:cBhvr>
+                                    </p:animEffect>
+                                  </p:childTnLst>
+                                </p:cTn>
+                              </p:par>
+                              <p:par>
+                                <p:cTn id="8" presetID="10" presetClass="entr" presetSubtype="0" fill="hold" grpId="0" nodeType="withEffect">
+                                  <p:stCondLst>
+                                    <p:cond delay="0"/>
+                                  </p:stCondLst>
+                                  <p:childTnLst>
+                                    <p:set>
+                                      <p:cBhvr>
+                                        <p:cTn id="9" dur="1" fill="hold">
+                                          <p:stCondLst>
+                                            <p:cond delay="0"/>
+                                          </p:stCondLst>
+                                        </p:cTn>
+                                        <p:tgtEl>
+                                          <p:spTgt spid="3">
+                                            <p:txEl>
+                                              <p:pRg st="0" end="0"/>
+                                            </p:txEl>
+                                          </p:spTgt>
+                                        </p:tgtEl>
+                                        <p:attrNameLst>
+                                          <p:attrName>style.visibility</p:attrName>
+                                        </p:attrNameLst>
+                                      </p:cBhvr>
+                                      <p:to>
+                                        <p:strVal val="visible"/>
+                                      </p:to>
+                                    </p:set>
+                                    <p:animEffect transition="in" filter="fade">
+                                      <p:cBhvr>
+                                        <p:cTn id="10" dur="500"/>
+                                        <p:tgtEl>
+                                          <p:spTgt spid="3">
+                                            <p:txEl>
+                                              <p:pRg st="0" end="0"/>
+                                            </p:txEl>
+                                          </p:spTgt>
+                                        </p:tgtEl>
+                                      </p:cBhvr>
+                                    </p:animEffect>
+                                  </p:childTnLst>
+                                </p:cTn>
+                              </p:par>
+                            </p:childTnLst>
+                          </p:cTn>
+                        </p:par>
+                      </p:childTnLst>
+                    </p:cTn>
+                  </p:par>
+                  <p:par>
+                    <p:cTn id="11" fill="hold">
+                      <p:stCondLst>
+                        <p:cond delay="indefinite"/>
+                      </p:stCondLst>
+                      <p:childTnLst>
+                        <p:par>
+                          <p:cTn id="12" fill="hold">
+                            <p:stCondLst>
+                              <p:cond delay="0"/>
+                            </p:stCondLst>
+                            <p:childTnLst>
+                              <p:par>
+                                <p:cTn id="13" presetID="10" presetClass="entr" presetSubtype="0" fill="hold" nodeType="clickEffect">
+                                  <p:stCondLst>
+                                    <p:cond delay="0"/>
+                                  </p:stCondLst>
+                                  <p:childTnLst>
+                                    <p:set>
+                                      <p:cBhvr>
+                                        <p:cTn id="14" dur="1" fill="hold">
+                                          <p:stCondLst>
+                                            <p:cond delay="0"/>
+                                          </p:stCondLst>
+                                        </p:cTn>
+                                        <p:tgtEl>
+                                          <p:spTgt spid="1030"/>
+                                        </p:tgtEl>
+                                        <p:attrNameLst>
+                                          <p:attrName>style.visibility</p:attrName>
+                                        </p:attrNameLst>
+                                      </p:cBhvr>
+                                      <p:to>
+                                        <p:strVal val="visible"/>
+                                      </p:to>
+                                    </p:set>
+                                    <p:animEffect transition="in" filter="fade">
+                                      <p:cBhvr>
+                                        <p:cTn id="15" dur="500"/>
+                                        <p:tgtEl>
+                                          <p:spTgt spid="1030"/>
+                                        </p:tgtEl>
+                                      </p:cBhvr>
+                                    </p:animEffect>
+                                  </p:childTnLst>
+                                </p:cTn>
+                              </p:par>
+                              <p:par>
+                                <p:cTn id="16" presetID="10" presetClass="entr" presetSubtype="0" fill="hold" grpId="0" nodeType="withEffect">
+                                  <p:stCondLst>
+                                    <p:cond delay="0"/>
+                                  </p:stCondLst>
+                                  <p:childTnLst>
+                                    <p:set>
+                                      <p:cBhvr>
+                                        <p:cTn id="17" dur="1" fill="hold">
+                                          <p:stCondLst>
+                                            <p:cond delay="0"/>
+                                          </p:stCondLst>
+                                        </p:cTn>
+                                        <p:tgtEl>
+                                          <p:spTgt spid="4"/>
+                                        </p:tgtEl>
+                                        <p:attrNameLst>
+                                          <p:attrName>style.visibility</p:attrName>
+                                        </p:attrNameLst>
+                                      </p:cBhvr>
+                                      <p:to>
+                                        <p:strVal val="visible"/>
+                                      </p:to>
+                                    </p:set>
+                                    <p:animEffect transition="in" filter="fade">
+                                      <p:cBhvr>
+                                        <p:cTn id="18" dur="500"/>
+                                        <p:tgtEl>
+                                          <p:spTgt spid="4"/>
+                                        </p:tgtEl>
+                                      </p:cBhvr>
+                                    </p:animEffect>
+                                  </p:childTnLst>
+                                </p:cTn>
+                              </p:par>
+                            </p:childTnLst>
+                          </p:cTn>
+                        </p:par>
+                      </p:childTnLst>
+                    </p:cTn>
+                  </p:par>
+                  <p:par>
+                    <p:cTn id="19" fill="hold">
+                      <p:stCondLst>
+                        <p:cond delay="indefinite"/>
+                      </p:stCondLst>
+                      <p:childTnLst>
+                        <p:par>
+                          <p:cTn id="20" fill="hold">
+                            <p:stCondLst>
+                              <p:cond delay="0"/>
+                            </p:stCondLst>
+                            <p:childTnLst>
+                              <p:par>
+                                <p:cTn id="21" presetID="10" presetClass="entr" presetSubtype="0" fill="hold" nodeType="clickEffect">
+                                  <p:stCondLst>
+                                    <p:cond delay="0"/>
+                                  </p:stCondLst>
+                                  <p:childTnLst>
+                                    <p:set>
+                                      <p:cBhvr>
+                                        <p:cTn id="22" dur="1" fill="hold">
+                                          <p:stCondLst>
+                                            <p:cond delay="0"/>
+                                          </p:stCondLst>
+                                        </p:cTn>
+                                        <p:tgtEl>
+                                          <p:spTgt spid="1032"/>
+                                        </p:tgtEl>
+                                        <p:attrNameLst>
+                                          <p:attrName>style.visibility</p:attrName>
+                                        </p:attrNameLst>
+                                      </p:cBhvr>
+                                      <p:to>
+                                        <p:strVal val="visible"/>
+                                      </p:to>
+                                    </p:set>
+                                    <p:animEffect transition="in" filter="fade">
+                                      <p:cBhvr>
+                                        <p:cTn id="23" dur="500"/>
+                                        <p:tgtEl>
+                                          <p:spTgt spid="1032"/>
+                                        </p:tgtEl>
+                                      </p:cBhvr>
+                                    </p:animEffect>
+                                  </p:childTnLst>
+                                </p:cTn>
+                              </p:par>
+                              <p:par>
+                                <p:cTn id="24" presetID="10" presetClass="entr" presetSubtype="0" fill="hold" grpId="0" nodeType="withEffect">
+                                  <p:stCondLst>
+                                    <p:cond delay="0"/>
+                                  </p:stCondLst>
+                                  <p:childTnLst>
+                                    <p:set>
+                                      <p:cBhvr>
+                                        <p:cTn id="25" dur="1" fill="hold">
+                                          <p:stCondLst>
+                                            <p:cond delay="0"/>
+                                          </p:stCondLst>
+                                        </p:cTn>
+                                        <p:tgtEl>
+                                          <p:spTgt spid="5"/>
+                                        </p:tgtEl>
+                                        <p:attrNameLst>
+                                          <p:attrName>style.visibility</p:attrName>
+                                        </p:attrNameLst>
+                                      </p:cBhvr>
+                                      <p:to>
+                                        <p:strVal val="visible"/>
+                                      </p:to>
+                                    </p:set>
+                                    <p:animEffect transition="in" filter="fade">
+                                      <p:cBhvr>
+                                        <p:cTn id="26" dur="500"/>
+                                        <p:tgtEl>
+                                          <p:spTgt spid="5"/>
+                                        </p:tgtEl>
+                                      </p:cBhvr>
+                                    </p:animEffect>
+                                  </p:childTnLst>
+                                </p:cTn>
+                              </p:par>
+                            </p:childTnLst>
+                          </p:cTn>
+                        </p:par>
+                      </p:childTnLst>
+                    </p:cTn>
+                  </p:par>
+                  <p:par>
+                    <p:cTn id="27" fill="hold">
+                      <p:stCondLst>
+                        <p:cond delay="indefinite"/>
+                      </p:stCondLst>
+                      <p:childTnLst>
+                        <p:par>
+                          <p:cTn id="28" fill="hold">
+                            <p:stCondLst>
+                              <p:cond delay="0"/>
+                            </p:stCondLst>
+                            <p:childTnLst>
+                              <p:par>
+                                <p:cTn id="29" presetID="10" presetClass="entr" presetSubtype="0" fill="hold" nodeType="clickEffect">
+                                  <p:stCondLst>
+                                    <p:cond delay="0"/>
+                                  </p:stCondLst>
+                                  <p:childTnLst>
+                                    <p:set>
+                                      <p:cBhvr>
+                                        <p:cTn id="30" dur="1" fill="hold">
+                                          <p:stCondLst>
+                                            <p:cond delay="0"/>
+                                          </p:stCondLst>
+                                        </p:cTn>
+                                        <p:tgtEl>
+                                          <p:spTgt spid="1034"/>
+                                        </p:tgtEl>
+                                        <p:attrNameLst>
+                                          <p:attrName>style.visibility</p:attrName>
+                                        </p:attrNameLst>
+                                      </p:cBhvr>
+                                      <p:to>
+                                        <p:strVal val="visible"/>
+                                      </p:to>
+                                    </p:set>
+                                    <p:animEffect transition="in" filter="fade">
+                                      <p:cBhvr>
+                                        <p:cTn id="31" dur="500"/>
+                                        <p:tgtEl>
+                                          <p:spTgt spid="1034"/>
+                                        </p:tgtEl>
+                                      </p:cBhvr>
+                                    </p:animEffect>
+                                  </p:childTnLst>
+                                </p:cTn>
+                              </p:par>
+                              <p:par>
+                                <p:cTn id="32" presetID="10" presetClass="entr" presetSubtype="0" fill="hold" grpId="0" nodeType="withEffect">
+                                  <p:stCondLst>
+                                    <p:cond delay="0"/>
+                                  </p:stCondLst>
+                                  <p:childTnLst>
+                                    <p:set>
+                                      <p:cBhvr>
+                                        <p:cTn id="33" dur="1" fill="hold">
+                                          <p:stCondLst>
+                                            <p:cond delay="0"/>
+                                          </p:stCondLst>
+                                        </p:cTn>
+                                        <p:tgtEl>
+                                          <p:spTgt spid="6"/>
+                                        </p:tgtEl>
+                                        <p:attrNameLst>
+                                          <p:attrName>style.visibility</p:attrName>
+                                        </p:attrNameLst>
+                                      </p:cBhvr>
+                                      <p:to>
+                                        <p:strVal val="visible"/>
+                                      </p:to>
+                                    </p:set>
+                                    <p:animEffect transition="in" filter="fade">
+                                      <p:cBhvr>
+                                        <p:cTn id="34" dur="500"/>
+                                        <p:tgtEl>
+                                          <p:spTgt spid="6"/>
+                                        </p:tgtEl>
+                                      </p:cBhvr>
+                                    </p:animEffect>
+                                  </p:childTnLst>
+                                </p:cTn>
+                              </p:par>
+                            </p:childTnLst>
+                          </p:cTn>
+                        </p:par>
+                      </p:childTnLst>
+                    </p:cTn>
+                  </p:par>
+                </p:childTnLst>
+              </p:cTn>
+              <p:prevCondLst>
+                <p:cond evt="onPrev" delay="0">
+                  <p:tgtEl>
+                    <p:sldTgt/>
+                  </p:tgtEl>
+                </p:cond>
+              </p:prevCondLst>
+              <p:nextCondLst>
+                <p:cond evt="onNext" delay="0">
+                  <p:tgtEl>
+                    <p:sldTgt/>
+                  </p:tgtEl>
+                </p:cond>
+              </p:nextCondLst>
+            </p:seq>
+          </p:childTnLst>
+        </p:cTn>
       </p:par>
     </p:tnLst>
+    <p:bldLst>
+      <p:bldP spid="3" grpId="0" build="p"/>
+      <p:bldP spid="4" grpId="0"/>
+      <p:bldP spid="5" grpId="0"/>
+      <p:bldP spid="6" grpId="0"/>
+    </p:bldLst>
   </p:timing>
 </p:sld>
 </file>
@@ -3626,6 +6857,684 @@
             <p:ph type="title"/>
           </p:nvPr>
         </p:nvSpPr>
+        <p:spPr/>
+        <p:txBody>
+          <a:bodyPr/>
+          <a:lstStyle/>
+          <a:p>
+            <a:r>
+              <a:rPr lang="en-US" dirty="0" smtClean="0"/>
+              <a:t>Audience</a:t>
+            </a:r>
+            <a:endParaRPr lang="en-US" dirty="0"/>
+          </a:p>
+        </p:txBody>
+      </p:sp>
+      <p:sp>
+        <p:nvSpPr>
+          <p:cNvPr id="3" name="Content Placeholder 2"/>
+          <p:cNvSpPr>
+            <a:spLocks noGrp="1"/>
+          </p:cNvSpPr>
+          <p:nvPr>
+            <p:ph idx="1"/>
+          </p:nvPr>
+        </p:nvSpPr>
+        <p:spPr/>
+        <p:txBody>
+          <a:bodyPr/>
+          <a:lstStyle/>
+          <a:p>
+            <a:pPr marL="0" indent="0" algn="ctr">
+              <a:buNone/>
+            </a:pPr>
+            <a:r>
+              <a:rPr lang="en-US" dirty="0"/>
+              <a:t>The audience or users of this website are roommates or household sharing members. It is aimed for people who share a household to track and reward or reprimand residences for maintaining the living area. </a:t>
+            </a:r>
+          </a:p>
+        </p:txBody>
+      </p:sp>
+    </p:spTree>
+    <p:extLst>
+      <p:ext uri="{BB962C8B-B14F-4D97-AF65-F5344CB8AC3E}">
+        <p14:creationId xmlns:p14="http://schemas.microsoft.com/office/powerpoint/2010/main" val="690209765"/>
+      </p:ext>
+    </p:extLst>
+  </p:cSld>
+  <p:clrMapOvr>
+    <a:masterClrMapping/>
+  </p:clrMapOvr>
+  <p:timing>
+    <p:tnLst>
+      <p:par>
+        <p:cTn id="1" dur="indefinite" restart="never" nodeType="tmRoot">
+          <p:childTnLst>
+            <p:seq concurrent="1" nextAc="seek">
+              <p:cTn id="2" dur="indefinite" nodeType="mainSeq">
+                <p:childTnLst>
+                  <p:par>
+                    <p:cTn id="3" fill="hold">
+                      <p:stCondLst>
+                        <p:cond delay="indefinite"/>
+                      </p:stCondLst>
+                      <p:childTnLst>
+                        <p:par>
+                          <p:cTn id="4" fill="hold">
+                            <p:stCondLst>
+                              <p:cond delay="0"/>
+                            </p:stCondLst>
+                            <p:childTnLst>
+                              <p:par>
+                                <p:cTn id="5" presetID="10" presetClass="entr" presetSubtype="0" fill="hold" nodeType="clickEffect">
+                                  <p:stCondLst>
+                                    <p:cond delay="0"/>
+                                  </p:stCondLst>
+                                  <p:childTnLst>
+                                    <p:set>
+                                      <p:cBhvr>
+                                        <p:cTn id="6" dur="1" fill="hold">
+                                          <p:stCondLst>
+                                            <p:cond delay="0"/>
+                                          </p:stCondLst>
+                                        </p:cTn>
+                                        <p:tgtEl>
+                                          <p:spTgt spid="3">
+                                            <p:txEl>
+                                              <p:pRg st="0" end="0"/>
+                                            </p:txEl>
+                                          </p:spTgt>
+                                        </p:tgtEl>
+                                        <p:attrNameLst>
+                                          <p:attrName>style.visibility</p:attrName>
+                                        </p:attrNameLst>
+                                      </p:cBhvr>
+                                      <p:to>
+                                        <p:strVal val="visible"/>
+                                      </p:to>
+                                    </p:set>
+                                    <p:animEffect transition="in" filter="fade">
+                                      <p:cBhvr>
+                                        <p:cTn id="7" dur="500"/>
+                                        <p:tgtEl>
+                                          <p:spTgt spid="3">
+                                            <p:txEl>
+                                              <p:pRg st="0" end="0"/>
+                                            </p:txEl>
+                                          </p:spTgt>
+                                        </p:tgtEl>
+                                      </p:cBhvr>
+                                    </p:animEffect>
+                                  </p:childTnLst>
+                                </p:cTn>
+                              </p:par>
+                            </p:childTnLst>
+                          </p:cTn>
+                        </p:par>
+                      </p:childTnLst>
+                    </p:cTn>
+                  </p:par>
+                </p:childTnLst>
+              </p:cTn>
+              <p:prevCondLst>
+                <p:cond evt="onPrev" delay="0">
+                  <p:tgtEl>
+                    <p:sldTgt/>
+                  </p:tgtEl>
+                </p:cond>
+              </p:prevCondLst>
+              <p:nextCondLst>
+                <p:cond evt="onNext" delay="0">
+                  <p:tgtEl>
+                    <p:sldTgt/>
+                  </p:tgtEl>
+                </p:cond>
+              </p:nextCondLst>
+            </p:seq>
+          </p:childTnLst>
+        </p:cTn>
+      </p:par>
+    </p:tnLst>
+  </p:timing>
+</p:sld>
+</file>
+
+<file path=ppt/slides/slide6.xml><?xml version="1.0" encoding="utf-8"?>
+<p:sld xmlns:a="http://schemas.openxmlformats.org/drawingml/2006/main" xmlns:r="http://schemas.openxmlformats.org/officeDocument/2006/relationships" xmlns:p="http://schemas.openxmlformats.org/presentationml/2006/main">
+  <p:cSld>
+    <p:spTree>
+      <p:nvGrpSpPr>
+        <p:cNvPr id="1" name=""/>
+        <p:cNvGrpSpPr/>
+        <p:nvPr/>
+      </p:nvGrpSpPr>
+      <p:grpSpPr>
+        <a:xfrm>
+          <a:off x="0" y="0"/>
+          <a:ext cx="0" cy="0"/>
+          <a:chOff x="0" y="0"/>
+          <a:chExt cx="0" cy="0"/>
+        </a:xfrm>
+      </p:grpSpPr>
+      <p:sp>
+        <p:nvSpPr>
+          <p:cNvPr id="2" name="Title 1"/>
+          <p:cNvSpPr>
+            <a:spLocks noGrp="1"/>
+          </p:cNvSpPr>
+          <p:nvPr>
+            <p:ph type="title"/>
+          </p:nvPr>
+        </p:nvSpPr>
+        <p:spPr/>
+        <p:txBody>
+          <a:bodyPr/>
+          <a:lstStyle/>
+          <a:p>
+            <a:r>
+              <a:rPr lang="en-US" dirty="0" smtClean="0"/>
+              <a:t>Areas of Focus</a:t>
+            </a:r>
+            <a:endParaRPr lang="en-US" dirty="0"/>
+          </a:p>
+        </p:txBody>
+      </p:sp>
+      <p:sp>
+        <p:nvSpPr>
+          <p:cNvPr id="3" name="Content Placeholder 2"/>
+          <p:cNvSpPr>
+            <a:spLocks noGrp="1"/>
+          </p:cNvSpPr>
+          <p:nvPr>
+            <p:ph idx="1"/>
+          </p:nvPr>
+        </p:nvSpPr>
+        <p:spPr>
+          <a:xfrm>
+            <a:off x="6345935" y="4364966"/>
+            <a:ext cx="3798728" cy="1690776"/>
+          </a:xfrm>
+        </p:spPr>
+        <p:txBody>
+          <a:bodyPr>
+            <a:normAutofit lnSpcReduction="10000"/>
+          </a:bodyPr>
+          <a:lstStyle/>
+          <a:p>
+            <a:pPr algn="ctr"/>
+            <a:endParaRPr lang="en-US" dirty="0"/>
+          </a:p>
+          <a:p>
+            <a:pPr marL="0" indent="0" algn="ctr">
+              <a:buNone/>
+            </a:pPr>
+            <a:r>
+              <a:rPr lang="en-US" u="sng" dirty="0" smtClean="0"/>
+              <a:t>MySQL Database </a:t>
+            </a:r>
+            <a:r>
+              <a:rPr lang="en-US" u="sng" dirty="0" smtClean="0"/>
+              <a:t>PULL/PUSH</a:t>
+            </a:r>
+          </a:p>
+          <a:p>
+            <a:pPr marL="0" indent="0" algn="ctr">
+              <a:buNone/>
+            </a:pPr>
+            <a:r>
+              <a:rPr lang="en-US" dirty="0" smtClean="0"/>
+              <a:t>Read </a:t>
+            </a:r>
+            <a:r>
+              <a:rPr lang="en-US" dirty="0" smtClean="0"/>
+              <a:t>and write information regarding roommates chores as well as keeping track of session information.</a:t>
+            </a:r>
+            <a:endParaRPr lang="en-US" dirty="0"/>
+          </a:p>
+        </p:txBody>
+      </p:sp>
+      <p:sp>
+        <p:nvSpPr>
+          <p:cNvPr id="4" name="TextBox 3"/>
+          <p:cNvSpPr txBox="1"/>
+          <p:nvPr/>
+        </p:nvSpPr>
+        <p:spPr>
+          <a:xfrm>
+            <a:off x="2527277" y="4726151"/>
+            <a:ext cx="2303253" cy="923330"/>
+          </a:xfrm>
+          <a:prstGeom prst="rect">
+            <a:avLst/>
+          </a:prstGeom>
+          <a:noFill/>
+        </p:spPr>
+        <p:txBody>
+          <a:bodyPr wrap="square" rtlCol="0">
+            <a:spAutoFit/>
+          </a:bodyPr>
+          <a:lstStyle/>
+          <a:p>
+            <a:pPr algn="ctr"/>
+            <a:r>
+              <a:rPr lang="en-US" u="sng" dirty="0"/>
+              <a:t>HTML/CSS </a:t>
+            </a:r>
+          </a:p>
+          <a:p>
+            <a:pPr algn="ctr"/>
+            <a:r>
+              <a:rPr lang="en-US" dirty="0" smtClean="0"/>
+              <a:t>design </a:t>
+            </a:r>
+            <a:r>
+              <a:rPr lang="en-US" dirty="0"/>
+              <a:t>and layout of the website</a:t>
+            </a:r>
+          </a:p>
+        </p:txBody>
+      </p:sp>
+      <p:pic>
+        <p:nvPicPr>
+          <p:cNvPr id="2050" name="Picture 2" descr="Image result for css html"/>
+          <p:cNvPicPr>
+            <a:picLocks noChangeAspect="1" noChangeArrowheads="1"/>
+          </p:cNvPicPr>
+          <p:nvPr/>
+        </p:nvPicPr>
+        <p:blipFill>
+          <a:blip r:embed="rId2">
+            <a:extLst>
+              <a:ext uri="{28A0092B-C50C-407E-A947-70E740481C1C}">
+                <a14:useLocalDpi xmlns:a14="http://schemas.microsoft.com/office/drawing/2010/main" val="0"/>
+              </a:ext>
+            </a:extLst>
+          </a:blip>
+          <a:srcRect/>
+          <a:stretch>
+            <a:fillRect/>
+          </a:stretch>
+        </p:blipFill>
+        <p:spPr bwMode="auto">
+          <a:xfrm>
+            <a:off x="2751826" y="2446711"/>
+            <a:ext cx="1854157" cy="2021773"/>
+          </a:xfrm>
+          <a:prstGeom prst="rect">
+            <a:avLst/>
+          </a:prstGeom>
+          <a:noFill/>
+          <a:extLst>
+            <a:ext uri="{909E8E84-426E-40DD-AFC4-6F175D3DCCD1}">
+              <a14:hiddenFill xmlns:a14="http://schemas.microsoft.com/office/drawing/2010/main">
+                <a:solidFill>
+                  <a:srgbClr val="FFFFFF"/>
+                </a:solidFill>
+              </a14:hiddenFill>
+            </a:ext>
+          </a:extLst>
+        </p:spPr>
+      </p:pic>
+      <p:pic>
+        <p:nvPicPr>
+          <p:cNvPr id="2052" name="Picture 4" descr="Image result for mysql"/>
+          <p:cNvPicPr>
+            <a:picLocks noChangeAspect="1" noChangeArrowheads="1"/>
+          </p:cNvPicPr>
+          <p:nvPr/>
+        </p:nvPicPr>
+        <p:blipFill>
+          <a:blip r:embed="rId3">
+            <a:extLst>
+              <a:ext uri="{28A0092B-C50C-407E-A947-70E740481C1C}">
+                <a14:useLocalDpi xmlns:a14="http://schemas.microsoft.com/office/drawing/2010/main" val="0"/>
+              </a:ext>
+            </a:extLst>
+          </a:blip>
+          <a:srcRect/>
+          <a:stretch>
+            <a:fillRect/>
+          </a:stretch>
+        </p:blipFill>
+        <p:spPr bwMode="auto">
+          <a:xfrm>
+            <a:off x="6443354" y="2603471"/>
+            <a:ext cx="3603889" cy="1865013"/>
+          </a:xfrm>
+          <a:prstGeom prst="rect">
+            <a:avLst/>
+          </a:prstGeom>
+          <a:noFill/>
+          <a:extLst>
+            <a:ext uri="{909E8E84-426E-40DD-AFC4-6F175D3DCCD1}">
+              <a14:hiddenFill xmlns:a14="http://schemas.microsoft.com/office/drawing/2010/main">
+                <a:solidFill>
+                  <a:srgbClr val="FFFFFF"/>
+                </a:solidFill>
+              </a14:hiddenFill>
+            </a:ext>
+          </a:extLst>
+        </p:spPr>
+      </p:pic>
+    </p:spTree>
+    <p:extLst>
+      <p:ext uri="{BB962C8B-B14F-4D97-AF65-F5344CB8AC3E}">
+        <p14:creationId xmlns:p14="http://schemas.microsoft.com/office/powerpoint/2010/main" val="492810822"/>
+      </p:ext>
+    </p:extLst>
+  </p:cSld>
+  <p:clrMapOvr>
+    <a:masterClrMapping/>
+  </p:clrMapOvr>
+  <p:timing>
+    <p:tnLst>
+      <p:par>
+        <p:cTn id="1" dur="indefinite" restart="never" nodeType="tmRoot">
+          <p:childTnLst>
+            <p:seq concurrent="1" nextAc="seek">
+              <p:cTn id="2" dur="indefinite" nodeType="mainSeq">
+                <p:childTnLst>
+                  <p:par>
+                    <p:cTn id="3" fill="hold">
+                      <p:stCondLst>
+                        <p:cond delay="indefinite"/>
+                      </p:stCondLst>
+                      <p:childTnLst>
+                        <p:par>
+                          <p:cTn id="4" fill="hold">
+                            <p:stCondLst>
+                              <p:cond delay="0"/>
+                            </p:stCondLst>
+                            <p:childTnLst>
+                              <p:par>
+                                <p:cTn id="5" presetID="10" presetClass="entr" presetSubtype="0" fill="hold" nodeType="clickEffect">
+                                  <p:stCondLst>
+                                    <p:cond delay="0"/>
+                                  </p:stCondLst>
+                                  <p:childTnLst>
+                                    <p:set>
+                                      <p:cBhvr>
+                                        <p:cTn id="6" dur="1" fill="hold">
+                                          <p:stCondLst>
+                                            <p:cond delay="0"/>
+                                          </p:stCondLst>
+                                        </p:cTn>
+                                        <p:tgtEl>
+                                          <p:spTgt spid="2050"/>
+                                        </p:tgtEl>
+                                        <p:attrNameLst>
+                                          <p:attrName>style.visibility</p:attrName>
+                                        </p:attrNameLst>
+                                      </p:cBhvr>
+                                      <p:to>
+                                        <p:strVal val="visible"/>
+                                      </p:to>
+                                    </p:set>
+                                    <p:animEffect transition="in" filter="fade">
+                                      <p:cBhvr>
+                                        <p:cTn id="7" dur="500"/>
+                                        <p:tgtEl>
+                                          <p:spTgt spid="2050"/>
+                                        </p:tgtEl>
+                                      </p:cBhvr>
+                                    </p:animEffect>
+                                  </p:childTnLst>
+                                </p:cTn>
+                              </p:par>
+                              <p:par>
+                                <p:cTn id="8" presetID="10" presetClass="entr" presetSubtype="0" fill="hold" grpId="0" nodeType="withEffect">
+                                  <p:stCondLst>
+                                    <p:cond delay="0"/>
+                                  </p:stCondLst>
+                                  <p:childTnLst>
+                                    <p:set>
+                                      <p:cBhvr>
+                                        <p:cTn id="9" dur="1" fill="hold">
+                                          <p:stCondLst>
+                                            <p:cond delay="0"/>
+                                          </p:stCondLst>
+                                        </p:cTn>
+                                        <p:tgtEl>
+                                          <p:spTgt spid="4"/>
+                                        </p:tgtEl>
+                                        <p:attrNameLst>
+                                          <p:attrName>style.visibility</p:attrName>
+                                        </p:attrNameLst>
+                                      </p:cBhvr>
+                                      <p:to>
+                                        <p:strVal val="visible"/>
+                                      </p:to>
+                                    </p:set>
+                                    <p:animEffect transition="in" filter="fade">
+                                      <p:cBhvr>
+                                        <p:cTn id="10" dur="500"/>
+                                        <p:tgtEl>
+                                          <p:spTgt spid="4"/>
+                                        </p:tgtEl>
+                                      </p:cBhvr>
+                                    </p:animEffect>
+                                  </p:childTnLst>
+                                </p:cTn>
+                              </p:par>
+                            </p:childTnLst>
+                          </p:cTn>
+                        </p:par>
+                      </p:childTnLst>
+                    </p:cTn>
+                  </p:par>
+                  <p:par>
+                    <p:cTn id="11" fill="hold">
+                      <p:stCondLst>
+                        <p:cond delay="indefinite"/>
+                      </p:stCondLst>
+                      <p:childTnLst>
+                        <p:par>
+                          <p:cTn id="12" fill="hold">
+                            <p:stCondLst>
+                              <p:cond delay="0"/>
+                            </p:stCondLst>
+                            <p:childTnLst>
+                              <p:par>
+                                <p:cTn id="13" presetID="10" presetClass="entr" presetSubtype="0" fill="hold" nodeType="clickEffect">
+                                  <p:stCondLst>
+                                    <p:cond delay="0"/>
+                                  </p:stCondLst>
+                                  <p:childTnLst>
+                                    <p:set>
+                                      <p:cBhvr>
+                                        <p:cTn id="14" dur="1" fill="hold">
+                                          <p:stCondLst>
+                                            <p:cond delay="0"/>
+                                          </p:stCondLst>
+                                        </p:cTn>
+                                        <p:tgtEl>
+                                          <p:spTgt spid="2052"/>
+                                        </p:tgtEl>
+                                        <p:attrNameLst>
+                                          <p:attrName>style.visibility</p:attrName>
+                                        </p:attrNameLst>
+                                      </p:cBhvr>
+                                      <p:to>
+                                        <p:strVal val="visible"/>
+                                      </p:to>
+                                    </p:set>
+                                    <p:animEffect transition="in" filter="fade">
+                                      <p:cBhvr>
+                                        <p:cTn id="15" dur="500"/>
+                                        <p:tgtEl>
+                                          <p:spTgt spid="2052"/>
+                                        </p:tgtEl>
+                                      </p:cBhvr>
+                                    </p:animEffect>
+                                  </p:childTnLst>
+                                </p:cTn>
+                              </p:par>
+                              <p:par>
+                                <p:cTn id="16" presetID="10" presetClass="entr" presetSubtype="0" fill="hold" grpId="0" nodeType="withEffect">
+                                  <p:stCondLst>
+                                    <p:cond delay="0"/>
+                                  </p:stCondLst>
+                                  <p:childTnLst>
+                                    <p:set>
+                                      <p:cBhvr>
+                                        <p:cTn id="17" dur="1" fill="hold">
+                                          <p:stCondLst>
+                                            <p:cond delay="0"/>
+                                          </p:stCondLst>
+                                        </p:cTn>
+                                        <p:tgtEl>
+                                          <p:spTgt spid="3">
+                                            <p:txEl>
+                                              <p:pRg st="1" end="1"/>
+                                            </p:txEl>
+                                          </p:spTgt>
+                                        </p:tgtEl>
+                                        <p:attrNameLst>
+                                          <p:attrName>style.visibility</p:attrName>
+                                        </p:attrNameLst>
+                                      </p:cBhvr>
+                                      <p:to>
+                                        <p:strVal val="visible"/>
+                                      </p:to>
+                                    </p:set>
+                                    <p:animEffect transition="in" filter="fade">
+                                      <p:cBhvr>
+                                        <p:cTn id="18" dur="500"/>
+                                        <p:tgtEl>
+                                          <p:spTgt spid="3">
+                                            <p:txEl>
+                                              <p:pRg st="1" end="1"/>
+                                            </p:txEl>
+                                          </p:spTgt>
+                                        </p:tgtEl>
+                                      </p:cBhvr>
+                                    </p:animEffect>
+                                  </p:childTnLst>
+                                </p:cTn>
+                              </p:par>
+                            </p:childTnLst>
+                          </p:cTn>
+                        </p:par>
+                      </p:childTnLst>
+                    </p:cTn>
+                  </p:par>
+                  <p:par>
+                    <p:cTn id="19" fill="hold">
+                      <p:stCondLst>
+                        <p:cond delay="indefinite"/>
+                      </p:stCondLst>
+                      <p:childTnLst>
+                        <p:par>
+                          <p:cTn id="20" fill="hold">
+                            <p:stCondLst>
+                              <p:cond delay="0"/>
+                            </p:stCondLst>
+                            <p:childTnLst>
+                              <p:par>
+                                <p:cTn id="21" presetID="10" presetClass="entr" presetSubtype="0" fill="hold" grpId="0" nodeType="clickEffect">
+                                  <p:stCondLst>
+                                    <p:cond delay="0"/>
+                                  </p:stCondLst>
+                                  <p:childTnLst>
+                                    <p:set>
+                                      <p:cBhvr>
+                                        <p:cTn id="22" dur="1" fill="hold">
+                                          <p:stCondLst>
+                                            <p:cond delay="0"/>
+                                          </p:stCondLst>
+                                        </p:cTn>
+                                        <p:tgtEl>
+                                          <p:spTgt spid="3">
+                                            <p:txEl>
+                                              <p:pRg st="2" end="2"/>
+                                            </p:txEl>
+                                          </p:spTgt>
+                                        </p:tgtEl>
+                                        <p:attrNameLst>
+                                          <p:attrName>style.visibility</p:attrName>
+                                        </p:attrNameLst>
+                                      </p:cBhvr>
+                                      <p:to>
+                                        <p:strVal val="visible"/>
+                                      </p:to>
+                                    </p:set>
+                                    <p:animEffect transition="in" filter="fade">
+                                      <p:cBhvr>
+                                        <p:cTn id="23" dur="500"/>
+                                        <p:tgtEl>
+                                          <p:spTgt spid="3">
+                                            <p:txEl>
+                                              <p:pRg st="2" end="2"/>
+                                            </p:txEl>
+                                          </p:spTgt>
+                                        </p:tgtEl>
+                                      </p:cBhvr>
+                                    </p:animEffect>
+                                  </p:childTnLst>
+                                </p:cTn>
+                              </p:par>
+                            </p:childTnLst>
+                          </p:cTn>
+                        </p:par>
+                      </p:childTnLst>
+                    </p:cTn>
+                  </p:par>
+                </p:childTnLst>
+              </p:cTn>
+              <p:prevCondLst>
+                <p:cond evt="onPrev" delay="0">
+                  <p:tgtEl>
+                    <p:sldTgt/>
+                  </p:tgtEl>
+                </p:cond>
+              </p:prevCondLst>
+              <p:nextCondLst>
+                <p:cond evt="onNext" delay="0">
+                  <p:tgtEl>
+                    <p:sldTgt/>
+                  </p:tgtEl>
+                </p:cond>
+              </p:nextCondLst>
+            </p:seq>
+          </p:childTnLst>
+        </p:cTn>
+      </p:par>
+    </p:tnLst>
+    <p:bldLst>
+      <p:bldP spid="3" grpId="0" build="p"/>
+      <p:bldP spid="4" grpId="0"/>
+    </p:bldLst>
+  </p:timing>
+</p:sld>
+</file>
+
+<file path=ppt/slides/slide7.xml><?xml version="1.0" encoding="utf-8"?>
+<p:sld xmlns:a="http://schemas.openxmlformats.org/drawingml/2006/main" xmlns:r="http://schemas.openxmlformats.org/officeDocument/2006/relationships" xmlns:p="http://schemas.openxmlformats.org/presentationml/2006/main">
+  <p:cSld>
+    <p:spTree>
+      <p:nvGrpSpPr>
+        <p:cNvPr id="1" name=""/>
+        <p:cNvGrpSpPr/>
+        <p:nvPr/>
+      </p:nvGrpSpPr>
+      <p:grpSpPr>
+        <a:xfrm>
+          <a:off x="0" y="0"/>
+          <a:ext cx="0" cy="0"/>
+          <a:chOff x="0" y="0"/>
+          <a:chExt cx="0" cy="0"/>
+        </a:xfrm>
+      </p:grpSpPr>
+      <p:sp>
+        <p:nvSpPr>
+          <p:cNvPr id="2" name="Title 1"/>
+          <p:cNvSpPr>
+            <a:spLocks noGrp="1"/>
+          </p:cNvSpPr>
+          <p:nvPr>
+            <p:ph type="title"/>
+          </p:nvPr>
+        </p:nvSpPr>
         <p:spPr>
           <a:xfrm>
             <a:off x="2265003" y="253492"/>
@@ -3668,8 +7577,8 @@
         </p:blipFill>
         <p:spPr>
           <a:xfrm>
-            <a:off x="1303867" y="1616984"/>
-            <a:ext cx="4385733" cy="2466975"/>
+            <a:off x="2265003" y="1616984"/>
+            <a:ext cx="3678597" cy="2069211"/>
           </a:xfrm>
         </p:spPr>
       </p:pic>
@@ -3695,8 +7604,8 @@
         </p:blipFill>
         <p:spPr>
           <a:xfrm>
-            <a:off x="6773333" y="1616984"/>
-            <a:ext cx="4385733" cy="2466975"/>
+            <a:off x="6357668" y="1616985"/>
+            <a:ext cx="3637063" cy="2045848"/>
           </a:xfrm>
           <a:prstGeom prst="rect">
             <a:avLst/>
@@ -3725,8 +7634,8 @@
         </p:blipFill>
         <p:spPr>
           <a:xfrm>
-            <a:off x="1303867" y="4258731"/>
-            <a:ext cx="4385732" cy="2466976"/>
+            <a:off x="2265003" y="3837606"/>
+            <a:ext cx="3682643" cy="2071488"/>
           </a:xfrm>
           <a:prstGeom prst="rect">
             <a:avLst/>
@@ -3755,8 +7664,8 @@
         </p:blipFill>
         <p:spPr>
           <a:xfrm>
-            <a:off x="6773332" y="4258732"/>
-            <a:ext cx="4385733" cy="2466975"/>
+            <a:off x="6357669" y="3828979"/>
+            <a:ext cx="3637062" cy="2080115"/>
           </a:xfrm>
           <a:prstGeom prst="rect">
             <a:avLst/>
@@ -3783,7 +7692,7 @@
 </p:sld>
 </file>
 
-<file path=ppt/slides/slide6.xml><?xml version="1.0" encoding="utf-8"?>
+<file path=ppt/slides/slide8.xml><?xml version="1.0" encoding="utf-8"?>
 <p:sld xmlns:a="http://schemas.openxmlformats.org/drawingml/2006/main" xmlns:r="http://schemas.openxmlformats.org/officeDocument/2006/relationships" xmlns:p="http://schemas.openxmlformats.org/presentationml/2006/main">
   <p:cSld>
     <p:spTree>
@@ -3852,8 +7761,8 @@
         </p:blipFill>
         <p:spPr>
           <a:xfrm>
-            <a:off x="482696" y="2181226"/>
-            <a:ext cx="5446298" cy="3576108"/>
+            <a:off x="2231136" y="2181226"/>
+            <a:ext cx="3697858" cy="2428060"/>
           </a:xfrm>
         </p:spPr>
       </p:pic>
@@ -3880,7 +7789,7 @@
         <p:spPr>
           <a:xfrm>
             <a:off x="6324697" y="2181226"/>
-            <a:ext cx="5446298" cy="3584424"/>
+            <a:ext cx="3689278" cy="2428060"/>
           </a:xfrm>
           <a:prstGeom prst="rect">
             <a:avLst/>
@@ -3897,10 +7806,17 @@
   <p:clrMapOvr>
     <a:masterClrMapping/>
   </p:clrMapOvr>
+  <p:timing>
+    <p:tnLst>
+      <p:par>
+        <p:cTn id="1" dur="indefinite" restart="never" nodeType="tmRoot"/>
+      </p:par>
+    </p:tnLst>
+  </p:timing>
 </p:sld>
 </file>
 
-<file path=ppt/slides/slide7.xml><?xml version="1.0" encoding="utf-8"?>
+<file path=ppt/slides/slide9.xml><?xml version="1.0" encoding="utf-8"?>
 <p:sld xmlns:a="http://schemas.openxmlformats.org/drawingml/2006/main" xmlns:r="http://schemas.openxmlformats.org/officeDocument/2006/relationships" xmlns:p="http://schemas.openxmlformats.org/presentationml/2006/main">
   <p:cSld>
     <p:spTree>
@@ -3967,8 +7883,8 @@
         </p:blipFill>
         <p:spPr>
           <a:xfrm>
-            <a:off x="2782510" y="2044500"/>
-            <a:ext cx="6626979" cy="4136166"/>
+            <a:off x="2231136" y="1897851"/>
+            <a:ext cx="7729728" cy="4824436"/>
           </a:xfrm>
           <a:prstGeom prst="rect">
             <a:avLst/>
@@ -3979,93 +7895,6 @@
     <p:extLst>
       <p:ext uri="{BB962C8B-B14F-4D97-AF65-F5344CB8AC3E}">
         <p14:creationId xmlns:p14="http://schemas.microsoft.com/office/powerpoint/2010/main" val="1889507122"/>
-      </p:ext>
-    </p:extLst>
-  </p:cSld>
-  <p:clrMapOvr>
-    <a:masterClrMapping/>
-  </p:clrMapOvr>
-</p:sld>
-</file>
-
-<file path=ppt/slides/slide8.xml><?xml version="1.0" encoding="utf-8"?>
-<p:sld xmlns:a="http://schemas.openxmlformats.org/drawingml/2006/main" xmlns:r="http://schemas.openxmlformats.org/officeDocument/2006/relationships" xmlns:p="http://schemas.openxmlformats.org/presentationml/2006/main">
-  <p:cSld>
-    <p:spTree>
-      <p:nvGrpSpPr>
-        <p:cNvPr id="1" name=""/>
-        <p:cNvGrpSpPr/>
-        <p:nvPr/>
-      </p:nvGrpSpPr>
-      <p:grpSpPr>
-        <a:xfrm>
-          <a:off x="0" y="0"/>
-          <a:ext cx="0" cy="0"/>
-          <a:chOff x="0" y="0"/>
-          <a:chExt cx="0" cy="0"/>
-        </a:xfrm>
-      </p:grpSpPr>
-      <p:sp>
-        <p:nvSpPr>
-          <p:cNvPr id="2" name="Title 1"/>
-          <p:cNvSpPr>
-            <a:spLocks noGrp="1"/>
-          </p:cNvSpPr>
-          <p:nvPr>
-            <p:ph type="title"/>
-          </p:nvPr>
-        </p:nvSpPr>
-        <p:spPr/>
-        <p:txBody>
-          <a:bodyPr/>
-          <a:lstStyle/>
-          <a:p>
-            <a:r>
-              <a:rPr lang="en-US" dirty="0" smtClean="0"/>
-              <a:t>Demo</a:t>
-            </a:r>
-            <a:endParaRPr lang="en-US" dirty="0"/>
-          </a:p>
-        </p:txBody>
-      </p:sp>
-      <p:sp>
-        <p:nvSpPr>
-          <p:cNvPr id="3" name="Content Placeholder 2"/>
-          <p:cNvSpPr>
-            <a:spLocks noGrp="1"/>
-          </p:cNvSpPr>
-          <p:nvPr>
-            <p:ph idx="1"/>
-          </p:nvPr>
-        </p:nvSpPr>
-        <p:spPr/>
-        <p:txBody>
-          <a:bodyPr/>
-          <a:lstStyle/>
-          <a:p>
-            <a:r>
-              <a:rPr lang="en-US" dirty="0">
-                <a:hlinkClick r:id="rId2"/>
-              </a:rPr>
-              <a:t>http://</a:t>
-            </a:r>
-            <a:r>
-              <a:rPr lang="en-US" dirty="0" smtClean="0">
-                <a:hlinkClick r:id="rId2"/>
-              </a:rPr>
-              <a:t>localhost:8080/IIT-Project/index.php</a:t>
-            </a:r>
-            <a:endParaRPr lang="en-US" dirty="0" smtClean="0"/>
-          </a:p>
-          <a:p>
-            <a:endParaRPr lang="en-US" dirty="0"/>
-          </a:p>
-        </p:txBody>
-      </p:sp>
-    </p:spTree>
-    <p:extLst>
-      <p:ext uri="{BB962C8B-B14F-4D97-AF65-F5344CB8AC3E}">
-        <p14:creationId xmlns:p14="http://schemas.microsoft.com/office/powerpoint/2010/main" val="219420181"/>
       </p:ext>
     </p:extLst>
   </p:cSld>
